--- a/lesson01.pptx
+++ b/lesson01.pptx
@@ -209,6 +209,14 @@
     </p:extLst>
   </p:cmAuthor>
 </p:cmAuthorLst>
+</file>
+
+<file path=ppt/revisionInfo.xml><?xml version="1.0" encoding="utf-8"?>
+<p1510:revInfo xmlns:a="http://schemas.openxmlformats.org/drawingml/2006/main" xmlns:r="http://schemas.openxmlformats.org/officeDocument/2006/relationships" xmlns:p1510="http://schemas.microsoft.com/office/powerpoint/2015/10/main">
+  <p1510:revLst>
+    <p1510:client id="{C65FAFAE-A7C6-4403-B2FE-4F16F78D55F7}" v="2" dt="2022-07-20T06:35:57.253"/>
+  </p1510:revLst>
+</p1510:revInfo>
 </file>
 
 <file path=ppt/changesInfos/changesInfo1.xml><?xml version="1.0" encoding="utf-8"?>
@@ -1419,8 +1427,8 @@
   </pc:docChgLst>
   <pc:docChgLst>
     <pc:chgData name="Anatoliy Kigel" userId="7432c6c4687b0a9c" providerId="LiveId" clId="{C65FAFAE-A7C6-4403-B2FE-4F16F78D55F7}"/>
-    <pc:docChg chg="modSld">
-      <pc:chgData name="Anatoliy Kigel" userId="7432c6c4687b0a9c" providerId="LiveId" clId="{C65FAFAE-A7C6-4403-B2FE-4F16F78D55F7}" dt="2022-07-20T06:14:54.381" v="9" actId="20577"/>
+    <pc:docChg chg="undo custSel modSld">
+      <pc:chgData name="Anatoliy Kigel" userId="7432c6c4687b0a9c" providerId="LiveId" clId="{C65FAFAE-A7C6-4403-B2FE-4F16F78D55F7}" dt="2022-07-20T06:36:05.100" v="59" actId="1076"/>
       <pc:docMkLst>
         <pc:docMk/>
       </pc:docMkLst>
@@ -1446,6 +1454,45 @@
             <ac:spMk id="10" creationId="{00000000-0000-0000-0000-000000000000}"/>
           </ac:spMkLst>
         </pc:spChg>
+      </pc:sldChg>
+      <pc:sldChg chg="addSp delSp modSp mod">
+        <pc:chgData name="Anatoliy Kigel" userId="7432c6c4687b0a9c" providerId="LiveId" clId="{C65FAFAE-A7C6-4403-B2FE-4F16F78D55F7}" dt="2022-07-20T06:36:05.100" v="59" actId="1076"/>
+        <pc:sldMkLst>
+          <pc:docMk/>
+          <pc:sldMk cId="2134033093" sldId="290"/>
+        </pc:sldMkLst>
+        <pc:spChg chg="add del mod">
+          <ac:chgData name="Anatoliy Kigel" userId="7432c6c4687b0a9c" providerId="LiveId" clId="{C65FAFAE-A7C6-4403-B2FE-4F16F78D55F7}" dt="2022-07-20T06:35:58.929" v="57" actId="6549"/>
+          <ac:spMkLst>
+            <pc:docMk/>
+            <pc:sldMk cId="2134033093" sldId="290"/>
+            <ac:spMk id="7" creationId="{00000000-0000-0000-0000-000000000000}"/>
+          </ac:spMkLst>
+        </pc:spChg>
+        <pc:spChg chg="mod">
+          <ac:chgData name="Anatoliy Kigel" userId="7432c6c4687b0a9c" providerId="LiveId" clId="{C65FAFAE-A7C6-4403-B2FE-4F16F78D55F7}" dt="2022-07-20T06:34:58.909" v="46" actId="1036"/>
+          <ac:spMkLst>
+            <pc:docMk/>
+            <pc:sldMk cId="2134033093" sldId="290"/>
+            <ac:spMk id="8" creationId="{00000000-0000-0000-0000-000000000000}"/>
+          </ac:spMkLst>
+        </pc:spChg>
+        <pc:spChg chg="add mod">
+          <ac:chgData name="Anatoliy Kigel" userId="7432c6c4687b0a9c" providerId="LiveId" clId="{C65FAFAE-A7C6-4403-B2FE-4F16F78D55F7}" dt="2022-07-20T06:35:52.082" v="51" actId="1035"/>
+          <ac:spMkLst>
+            <pc:docMk/>
+            <pc:sldMk cId="2134033093" sldId="290"/>
+            <ac:spMk id="9" creationId="{5299C90D-AC5D-D642-A49A-283196750356}"/>
+          </ac:spMkLst>
+        </pc:spChg>
+        <pc:picChg chg="mod">
+          <ac:chgData name="Anatoliy Kigel" userId="7432c6c4687b0a9c" providerId="LiveId" clId="{C65FAFAE-A7C6-4403-B2FE-4F16F78D55F7}" dt="2022-07-20T06:36:05.100" v="59" actId="1076"/>
+          <ac:picMkLst>
+            <pc:docMk/>
+            <pc:sldMk cId="2134033093" sldId="290"/>
+            <ac:picMk id="2" creationId="{00000000-0000-0000-0000-000000000000}"/>
+          </ac:picMkLst>
+        </pc:picChg>
       </pc:sldChg>
     </pc:docChg>
   </pc:docChgLst>
@@ -11525,8 +11572,8 @@
         </p:nvSpPr>
         <p:spPr>
           <a:xfrm>
-            <a:off x="1524000" y="5944925"/>
-            <a:ext cx="9144000" cy="584775"/>
+            <a:off x="0" y="5944925"/>
+            <a:ext cx="12192000" cy="584775"/>
           </a:xfrm>
           <a:prstGeom prst="rect">
             <a:avLst/>
@@ -11541,10 +11588,11 @@
           <a:p>
             <a:pPr algn="ctr"/>
             <a:r>
-              <a:rPr lang="en-US" sz="3200" b="1" u="sng">
+              <a:rPr lang="en-US" sz="3200" b="1" u="sng" dirty="0">
                 <a:solidFill>
                   <a:srgbClr val="3333CC"/>
                 </a:solidFill>
+                <a:hlinkClick r:id="rId2"/>
               </a:rPr>
               <a:t>https://html-css.co.ua/dovidnuk-html-tags/</a:t>
             </a:r>
@@ -11564,8 +11612,8 @@
         </p:nvSpPr>
         <p:spPr>
           <a:xfrm>
-            <a:off x="1524000" y="190382"/>
-            <a:ext cx="9144000" cy="646331"/>
+            <a:off x="0" y="251937"/>
+            <a:ext cx="12192000" cy="584775"/>
           </a:xfrm>
           <a:prstGeom prst="rect">
             <a:avLst/>
@@ -11580,11 +11628,11 @@
           <a:p>
             <a:pPr algn="ctr"/>
             <a:r>
-              <a:rPr lang="ru-RU" sz="3600" b="1" dirty="0"/>
-              <a:t>Справочник по </a:t>
-            </a:r>
-            <a:r>
-              <a:rPr lang="en-US" sz="3600" b="1" dirty="0"/>
+              <a:rPr lang="ru-RU" sz="3200" b="1" dirty="0"/>
+              <a:t>Справочники по </a:t>
+            </a:r>
+            <a:r>
+              <a:rPr lang="en-US" sz="3200" b="1" dirty="0"/>
               <a:t>HTML</a:t>
             </a:r>
           </a:p>
@@ -11669,21 +11717,60 @@
           <p:nvPr/>
         </p:nvPicPr>
         <p:blipFill>
-          <a:blip r:embed="rId2"/>
+          <a:blip r:embed="rId3"/>
           <a:stretch>
             <a:fillRect/>
           </a:stretch>
         </p:blipFill>
         <p:spPr>
           <a:xfrm>
-            <a:off x="2279577" y="929866"/>
-            <a:ext cx="7952791" cy="4868865"/>
+            <a:off x="2878784" y="1075882"/>
+            <a:ext cx="6434432" cy="3939294"/>
           </a:xfrm>
           <a:prstGeom prst="rect">
             <a:avLst/>
           </a:prstGeom>
         </p:spPr>
       </p:pic>
+      <p:sp>
+        <p:nvSpPr>
+          <p:cNvPr id="9" name="TextBox 8">
+            <a:extLst>
+              <a:ext uri="{FF2B5EF4-FFF2-40B4-BE49-F238E27FC236}">
+                <a16:creationId xmlns:a16="http://schemas.microsoft.com/office/drawing/2014/main" id="{5299C90D-AC5D-D642-A49A-283196750356}"/>
+              </a:ext>
+            </a:extLst>
+          </p:cNvPr>
+          <p:cNvSpPr txBox="1"/>
+          <p:nvPr/>
+        </p:nvSpPr>
+        <p:spPr>
+          <a:xfrm>
+            <a:off x="0" y="5301208"/>
+            <a:ext cx="12192000" cy="584775"/>
+          </a:xfrm>
+          <a:prstGeom prst="rect">
+            <a:avLst/>
+          </a:prstGeom>
+          <a:noFill/>
+        </p:spPr>
+        <p:txBody>
+          <a:bodyPr wrap="square">
+            <a:spAutoFit/>
+          </a:bodyPr>
+          <a:lstStyle/>
+          <a:p>
+            <a:pPr algn="ctr"/>
+            <a:r>
+              <a:rPr lang="uk-UA" sz="3200" b="1" dirty="0">
+                <a:hlinkClick r:id="rId4"/>
+              </a:rPr>
+              <a:t>https://css.in.ua/html/tags</a:t>
+            </a:r>
+            <a:endParaRPr lang="uk-UA" sz="3200" b="1" dirty="0"/>
+          </a:p>
+        </p:txBody>
+      </p:sp>
     </p:spTree>
     <p:extLst>
       <p:ext uri="{BB962C8B-B14F-4D97-AF65-F5344CB8AC3E}">

--- a/lesson01.pptx
+++ b/lesson01.pptx
@@ -5,7 +5,7 @@
     <p:sldMasterId id="2147483648" r:id="rId1"/>
   </p:sldMasterIdLst>
   <p:notesMasterIdLst>
-    <p:notesMasterId r:id="rId35"/>
+    <p:notesMasterId r:id="rId33"/>
   </p:notesMasterIdLst>
   <p:sldIdLst>
     <p:sldId id="257" r:id="rId2"/>
@@ -28,19 +28,17 @@
     <p:sldId id="279" r:id="rId19"/>
     <p:sldId id="280" r:id="rId20"/>
     <p:sldId id="281" r:id="rId21"/>
-    <p:sldId id="394" r:id="rId22"/>
-    <p:sldId id="395" r:id="rId23"/>
-    <p:sldId id="284" r:id="rId24"/>
-    <p:sldId id="285" r:id="rId25"/>
-    <p:sldId id="286" r:id="rId26"/>
-    <p:sldId id="287" r:id="rId27"/>
-    <p:sldId id="288" r:id="rId28"/>
-    <p:sldId id="289" r:id="rId29"/>
-    <p:sldId id="290" r:id="rId30"/>
-    <p:sldId id="292" r:id="rId31"/>
-    <p:sldId id="293" r:id="rId32"/>
-    <p:sldId id="294" r:id="rId33"/>
-    <p:sldId id="295" r:id="rId34"/>
+    <p:sldId id="284" r:id="rId22"/>
+    <p:sldId id="285" r:id="rId23"/>
+    <p:sldId id="286" r:id="rId24"/>
+    <p:sldId id="287" r:id="rId25"/>
+    <p:sldId id="288" r:id="rId26"/>
+    <p:sldId id="289" r:id="rId27"/>
+    <p:sldId id="290" r:id="rId28"/>
+    <p:sldId id="292" r:id="rId29"/>
+    <p:sldId id="293" r:id="rId30"/>
+    <p:sldId id="294" r:id="rId31"/>
+    <p:sldId id="295" r:id="rId32"/>
   </p:sldIdLst>
   <p:sldSz cx="12192000" cy="6858000"/>
   <p:notesSz cx="6858000" cy="9144000"/>
@@ -164,8 +162,6 @@
             <p14:sldId id="279"/>
             <p14:sldId id="280"/>
             <p14:sldId id="281"/>
-            <p14:sldId id="394"/>
-            <p14:sldId id="395"/>
             <p14:sldId id="284"/>
             <p14:sldId id="285"/>
             <p14:sldId id="286"/>
@@ -1427,8 +1423,8 @@
   </pc:docChgLst>
   <pc:docChgLst>
     <pc:chgData name="Anatoliy Kigel" userId="7432c6c4687b0a9c" providerId="LiveId" clId="{C65FAFAE-A7C6-4403-B2FE-4F16F78D55F7}"/>
-    <pc:docChg chg="undo custSel modSld">
-      <pc:chgData name="Anatoliy Kigel" userId="7432c6c4687b0a9c" providerId="LiveId" clId="{C65FAFAE-A7C6-4403-B2FE-4F16F78D55F7}" dt="2022-07-20T06:36:05.100" v="59" actId="1076"/>
+    <pc:docChg chg="undo custSel delSld modSld modSection">
+      <pc:chgData name="Anatoliy Kigel" userId="7432c6c4687b0a9c" providerId="LiveId" clId="{C65FAFAE-A7C6-4403-B2FE-4F16F78D55F7}" dt="2022-07-24T16:50:13.772" v="61" actId="20577"/>
       <pc:docMkLst>
         <pc:docMk/>
       </pc:docMkLst>
@@ -1452,6 +1448,21 @@
             <pc:docMk/>
             <pc:sldMk cId="3928218066" sldId="260"/>
             <ac:spMk id="10" creationId="{00000000-0000-0000-0000-000000000000}"/>
+          </ac:spMkLst>
+        </pc:spChg>
+      </pc:sldChg>
+      <pc:sldChg chg="modSp mod">
+        <pc:chgData name="Anatoliy Kigel" userId="7432c6c4687b0a9c" providerId="LiveId" clId="{C65FAFAE-A7C6-4403-B2FE-4F16F78D55F7}" dt="2022-07-24T16:50:13.772" v="61" actId="20577"/>
+        <pc:sldMkLst>
+          <pc:docMk/>
+          <pc:sldMk cId="3089917501" sldId="284"/>
+        </pc:sldMkLst>
+        <pc:spChg chg="mod">
+          <ac:chgData name="Anatoliy Kigel" userId="7432c6c4687b0a9c" providerId="LiveId" clId="{C65FAFAE-A7C6-4403-B2FE-4F16F78D55F7}" dt="2022-07-24T16:50:13.772" v="61" actId="20577"/>
+          <ac:spMkLst>
+            <pc:docMk/>
+            <pc:sldMk cId="3089917501" sldId="284"/>
+            <ac:spMk id="5" creationId="{00000000-0000-0000-0000-000000000000}"/>
           </ac:spMkLst>
         </pc:spChg>
       </pc:sldChg>
@@ -1493,6 +1504,20 @@
             <ac:picMk id="2" creationId="{00000000-0000-0000-0000-000000000000}"/>
           </ac:picMkLst>
         </pc:picChg>
+      </pc:sldChg>
+      <pc:sldChg chg="del">
+        <pc:chgData name="Anatoliy Kigel" userId="7432c6c4687b0a9c" providerId="LiveId" clId="{C65FAFAE-A7C6-4403-B2FE-4F16F78D55F7}" dt="2022-07-24T16:50:11.891" v="60" actId="47"/>
+        <pc:sldMkLst>
+          <pc:docMk/>
+          <pc:sldMk cId="1199415110" sldId="394"/>
+        </pc:sldMkLst>
+      </pc:sldChg>
+      <pc:sldChg chg="del">
+        <pc:chgData name="Anatoliy Kigel" userId="7432c6c4687b0a9c" providerId="LiveId" clId="{C65FAFAE-A7C6-4403-B2FE-4F16F78D55F7}" dt="2022-07-24T16:50:11.891" v="60" actId="47"/>
+        <pc:sldMkLst>
+          <pc:docMk/>
+          <pc:sldMk cId="2992149249" sldId="395"/>
+        </pc:sldMkLst>
       </pc:sldChg>
     </pc:docChg>
   </pc:docChgLst>
@@ -1891,7 +1916,7 @@
             <a:fld id="{85522811-C5C6-42D2-A409-F8556720C93F}" type="datetimeFigureOut">
               <a:rPr lang="uk-UA" smtClean="0"/>
               <a:pPr/>
-              <a:t>20.07.2022</a:t>
+              <a:t>24.07.2022</a:t>
             </a:fld>
             <a:endParaRPr lang="uk-UA"/>
           </a:p>
@@ -2537,102 +2562,6 @@
 </p:notes>
 </file>
 
-<file path=ppt/notesSlides/notesSlide5.xml><?xml version="1.0" encoding="utf-8"?>
-<p:notes xmlns:a="http://schemas.openxmlformats.org/drawingml/2006/main" xmlns:r="http://schemas.openxmlformats.org/officeDocument/2006/relationships" xmlns:p="http://schemas.openxmlformats.org/presentationml/2006/main">
-  <p:cSld>
-    <p:spTree>
-      <p:nvGrpSpPr>
-        <p:cNvPr id="1" name=""/>
-        <p:cNvGrpSpPr/>
-        <p:nvPr/>
-      </p:nvGrpSpPr>
-      <p:grpSpPr>
-        <a:xfrm>
-          <a:off x="0" y="0"/>
-          <a:ext cx="0" cy="0"/>
-          <a:chOff x="0" y="0"/>
-          <a:chExt cx="0" cy="0"/>
-        </a:xfrm>
-      </p:grpSpPr>
-      <p:sp>
-        <p:nvSpPr>
-          <p:cNvPr id="2" name="Образ слайда 1"/>
-          <p:cNvSpPr>
-            <a:spLocks noGrp="1" noRot="1" noChangeAspect="1"/>
-          </p:cNvSpPr>
-          <p:nvPr>
-            <p:ph type="sldImg"/>
-          </p:nvPr>
-        </p:nvSpPr>
-        <p:spPr>
-          <a:xfrm>
-            <a:off x="381000" y="685800"/>
-            <a:ext cx="6096000" cy="3429000"/>
-          </a:xfrm>
-        </p:spPr>
-      </p:sp>
-      <p:sp>
-        <p:nvSpPr>
-          <p:cNvPr id="3" name="Заметки 2"/>
-          <p:cNvSpPr>
-            <a:spLocks noGrp="1"/>
-          </p:cNvSpPr>
-          <p:nvPr>
-            <p:ph type="body" idx="1"/>
-          </p:nvPr>
-        </p:nvSpPr>
-        <p:spPr/>
-        <p:txBody>
-          <a:bodyPr>
-            <a:normAutofit/>
-          </a:bodyPr>
-          <a:lstStyle/>
-          <a:p>
-            <a:r>
-              <a:rPr lang="en-US" dirty="0"/>
-              <a:t> </a:t>
-            </a:r>
-            <a:endParaRPr lang="uk-UA" dirty="0"/>
-          </a:p>
-        </p:txBody>
-      </p:sp>
-      <p:sp>
-        <p:nvSpPr>
-          <p:cNvPr id="4" name="Номер слайда 3"/>
-          <p:cNvSpPr>
-            <a:spLocks noGrp="1"/>
-          </p:cNvSpPr>
-          <p:nvPr>
-            <p:ph type="sldNum" sz="quarter" idx="10"/>
-          </p:nvPr>
-        </p:nvSpPr>
-        <p:spPr/>
-        <p:txBody>
-          <a:bodyPr/>
-          <a:lstStyle/>
-          <a:p>
-            <a:fld id="{B2668688-711B-4328-ACFB-54B46FA90133}" type="slidenum">
-              <a:rPr lang="uk-UA" smtClean="0"/>
-              <a:pPr/>
-              <a:t>22</a:t>
-            </a:fld>
-            <a:endParaRPr lang="uk-UA"/>
-          </a:p>
-        </p:txBody>
-      </p:sp>
-    </p:spTree>
-    <p:extLst>
-      <p:ext uri="{BB962C8B-B14F-4D97-AF65-F5344CB8AC3E}">
-        <p14:creationId xmlns:p14="http://schemas.microsoft.com/office/powerpoint/2010/main" val="520745178"/>
-      </p:ext>
-    </p:extLst>
-  </p:cSld>
-  <p:clrMapOvr>
-    <a:masterClrMapping/>
-  </p:clrMapOvr>
-</p:notes>
-</file>
-
 <file path=ppt/slideLayouts/slideLayout1.xml><?xml version="1.0" encoding="utf-8"?>
 <p:sldLayout xmlns:a="http://schemas.openxmlformats.org/drawingml/2006/main" xmlns:r="http://schemas.openxmlformats.org/officeDocument/2006/relationships" xmlns:p="http://schemas.openxmlformats.org/presentationml/2006/main" type="title" preserve="1">
   <p:cSld name="Титульный слайд">
@@ -2815,7 +2744,7 @@
             <a:fld id="{E6FC6B0D-6115-4D7C-8040-9C8E2349BB6E}" type="datetime1">
               <a:rPr lang="uk-UA" smtClean="0"/>
               <a:pPr/>
-              <a:t>20.07.2022</a:t>
+              <a:t>24.07.2022</a:t>
             </a:fld>
             <a:endParaRPr lang="uk-UA"/>
           </a:p>
@@ -2982,7 +2911,7 @@
             <a:fld id="{996367BA-0A39-4DE2-BFC3-D5290044365E}" type="datetime1">
               <a:rPr lang="uk-UA" smtClean="0"/>
               <a:pPr/>
-              <a:t>20.07.2022</a:t>
+              <a:t>24.07.2022</a:t>
             </a:fld>
             <a:endParaRPr lang="uk-UA"/>
           </a:p>
@@ -3159,7 +3088,7 @@
             <a:fld id="{1BD6A67F-6C29-47DC-AF8A-FDB3C787DF70}" type="datetime1">
               <a:rPr lang="uk-UA" smtClean="0"/>
               <a:pPr/>
-              <a:t>20.07.2022</a:t>
+              <a:t>24.07.2022</a:t>
             </a:fld>
             <a:endParaRPr lang="uk-UA"/>
           </a:p>
@@ -3326,7 +3255,7 @@
             <a:fld id="{1657D9C5-7FF1-434F-B56E-9BAD559744E9}" type="datetime1">
               <a:rPr lang="uk-UA" smtClean="0"/>
               <a:pPr/>
-              <a:t>20.07.2022</a:t>
+              <a:t>24.07.2022</a:t>
             </a:fld>
             <a:endParaRPr lang="uk-UA"/>
           </a:p>
@@ -3569,7 +3498,7 @@
             <a:fld id="{2CEB0FC9-DE63-476B-A1A9-BE934D9049F8}" type="datetime1">
               <a:rPr lang="uk-UA" smtClean="0"/>
               <a:pPr/>
-              <a:t>20.07.2022</a:t>
+              <a:t>24.07.2022</a:t>
             </a:fld>
             <a:endParaRPr lang="uk-UA"/>
           </a:p>
@@ -3854,7 +3783,7 @@
             <a:fld id="{F964460F-86E2-4DF6-9D0F-12F5005CF375}" type="datetime1">
               <a:rPr lang="uk-UA" smtClean="0"/>
               <a:pPr/>
-              <a:t>20.07.2022</a:t>
+              <a:t>24.07.2022</a:t>
             </a:fld>
             <a:endParaRPr lang="uk-UA"/>
           </a:p>
@@ -4273,7 +4202,7 @@
             <a:fld id="{C521715E-DDCD-4267-B0A5-2918B6F6768A}" type="datetime1">
               <a:rPr lang="uk-UA" smtClean="0"/>
               <a:pPr/>
-              <a:t>20.07.2022</a:t>
+              <a:t>24.07.2022</a:t>
             </a:fld>
             <a:endParaRPr lang="uk-UA"/>
           </a:p>
@@ -4388,7 +4317,7 @@
             <a:fld id="{9289842C-EB2D-4EBB-A272-2F6A49D9794D}" type="datetime1">
               <a:rPr lang="uk-UA" smtClean="0"/>
               <a:pPr/>
-              <a:t>20.07.2022</a:t>
+              <a:t>24.07.2022</a:t>
             </a:fld>
             <a:endParaRPr lang="uk-UA"/>
           </a:p>
@@ -4480,7 +4409,7 @@
             <a:fld id="{D036F091-B700-4B52-99AC-85D0FD94D904}" type="datetime1">
               <a:rPr lang="uk-UA" smtClean="0"/>
               <a:pPr/>
-              <a:t>20.07.2022</a:t>
+              <a:t>24.07.2022</a:t>
             </a:fld>
             <a:endParaRPr lang="uk-UA"/>
           </a:p>
@@ -4754,7 +4683,7 @@
             <a:fld id="{B35DFABA-3811-4634-B803-2EAC4CD0063B}" type="datetime1">
               <a:rPr lang="uk-UA" smtClean="0"/>
               <a:pPr/>
-              <a:t>20.07.2022</a:t>
+              <a:t>24.07.2022</a:t>
             </a:fld>
             <a:endParaRPr lang="uk-UA"/>
           </a:p>
@@ -5004,7 +4933,7 @@
             <a:fld id="{8A9EA25E-F88E-463A-A119-D1E55A881002}" type="datetime1">
               <a:rPr lang="uk-UA" smtClean="0"/>
               <a:pPr/>
-              <a:t>20.07.2022</a:t>
+              <a:t>24.07.2022</a:t>
             </a:fld>
             <a:endParaRPr lang="uk-UA"/>
           </a:p>
@@ -5214,7 +5143,7 @@
             <a:fld id="{E708ED03-0080-49A2-B709-7DA4ACB3A1C3}" type="datetime1">
               <a:rPr lang="uk-UA" smtClean="0"/>
               <a:pPr/>
-              <a:t>20.07.2022</a:t>
+              <a:t>24.07.2022</a:t>
             </a:fld>
             <a:endParaRPr lang="uk-UA"/>
           </a:p>
@@ -9817,21 +9746,21 @@
           <a:p>
             <a:pPr algn="ctr"/>
             <a:r>
-              <a:rPr lang="en-US" sz="7200" b="1" dirty="0"/>
+              <a:rPr lang="en-US" sz="8000" b="1" dirty="0"/>
               <a:t>3. </a:t>
             </a:r>
             <a:r>
-              <a:rPr lang="ru-RU" sz="7200" b="1" dirty="0"/>
-              <a:t>Локальный веб-сервер</a:t>
-            </a:r>
-            <a:endParaRPr lang="uk-UA" sz="7200" b="1" dirty="0"/>
+              <a:rPr lang="ru-RU" sz="8000" b="1" dirty="0"/>
+              <a:t>Хостинг</a:t>
+            </a:r>
+            <a:endParaRPr lang="uk-UA" sz="8000" b="1" dirty="0"/>
           </a:p>
         </p:txBody>
       </p:sp>
     </p:spTree>
     <p:extLst>
       <p:ext uri="{BB962C8B-B14F-4D97-AF65-F5344CB8AC3E}">
-        <p14:creationId xmlns:p14="http://schemas.microsoft.com/office/powerpoint/2010/main" val="1199415110"/>
+        <p14:creationId xmlns:p14="http://schemas.microsoft.com/office/powerpoint/2010/main" val="3089917501"/>
       </p:ext>
     </p:extLst>
   </p:cSld>
@@ -9860,59 +9789,29 @@
       </p:grpSpPr>
       <p:sp>
         <p:nvSpPr>
-          <p:cNvPr id="3" name="TextBox 2"/>
-          <p:cNvSpPr txBox="1"/>
-          <p:nvPr/>
+          <p:cNvPr id="37" name="Номер слайда 36"/>
+          <p:cNvSpPr>
+            <a:spLocks noGrp="1"/>
+          </p:cNvSpPr>
+          <p:nvPr>
+            <p:ph type="sldNum" sz="quarter" idx="12"/>
+          </p:nvPr>
         </p:nvSpPr>
         <p:spPr>
           <a:xfrm>
-            <a:off x="0" y="437763"/>
-            <a:ext cx="12192000" cy="830997"/>
-          </a:xfrm>
-          <a:prstGeom prst="rect">
-            <a:avLst/>
-          </a:prstGeom>
-          <a:noFill/>
-        </p:spPr>
-        <p:txBody>
-          <a:bodyPr wrap="square" rtlCol="0">
-            <a:spAutoFit/>
-          </a:bodyPr>
-          <a:lstStyle/>
-          <a:p>
-            <a:pPr algn="ctr"/>
-            <a:r>
-              <a:rPr lang="en-US" sz="4800" b="1" dirty="0"/>
-              <a:t>Live Server</a:t>
-            </a:r>
-            <a:endParaRPr lang="uk-UA" sz="4800" b="1" dirty="0"/>
-          </a:p>
-        </p:txBody>
-      </p:sp>
-      <p:sp>
-        <p:nvSpPr>
-          <p:cNvPr id="9" name="Номер слайда 36"/>
-          <p:cNvSpPr txBox="1">
-            <a:spLocks/>
-          </p:cNvSpPr>
-          <p:nvPr/>
-        </p:nvSpPr>
-        <p:spPr>
-          <a:xfrm>
-            <a:off x="11136560" y="6165304"/>
+            <a:off x="11208568" y="6165304"/>
             <a:ext cx="648072" cy="432048"/>
           </a:xfrm>
           <a:prstGeom prst="roundRect">
             <a:avLst/>
           </a:prstGeom>
-          <a:ln w="25400" cap="flat" cmpd="sng" algn="ctr">
+          <a:ln>
             <a:solidFill>
               <a:schemeClr val="tx2">
                 <a:lumMod val="60000"/>
                 <a:lumOff val="40000"/>
               </a:schemeClr>
             </a:solidFill>
-            <a:prstDash val="solid"/>
           </a:ln>
         </p:spPr>
         <p:style>
@@ -9930,12 +9829,10 @@
           </a:fontRef>
         </p:style>
         <p:txBody>
-          <a:bodyPr vert="horz" lIns="91440" tIns="45720" rIns="91440" bIns="45720" rtlCol="0" anchor="ctr"/>
-          <a:lstStyle/>
-          <a:p>
-            <a:pPr algn="ctr">
-              <a:defRPr/>
-            </a:pPr>
+          <a:bodyPr/>
+          <a:lstStyle/>
+          <a:p>
+            <a:pPr algn="ctr"/>
             <a:fld id="{6389AA22-90B4-448C-8B6B-C699140D38B9}" type="slidenum">
               <a:rPr lang="uk-UA" sz="2400" b="1">
                 <a:solidFill>
@@ -9944,9 +9841,7 @@
                   </a:schemeClr>
                 </a:solidFill>
               </a:rPr>
-              <a:pPr algn="ctr">
-                <a:defRPr/>
-              </a:pPr>
+              <a:pPr algn="ctr"/>
               <a:t>22</a:t>
             </a:fld>
             <a:endParaRPr lang="uk-UA" sz="2400" b="1" dirty="0">
@@ -9959,22 +9854,128 @@
           </a:p>
         </p:txBody>
       </p:sp>
-      <p:sp>
-        <p:nvSpPr>
-          <p:cNvPr id="6" name="TextBox 5"/>
-          <p:cNvSpPr txBox="1"/>
+      <p:pic>
+        <p:nvPicPr>
+          <p:cNvPr id="30729" name="Picture 9" descr="http://drtapac.biz/wp-content/uploads/2016/05/crosley-113.jpg"/>
+          <p:cNvPicPr>
+            <a:picLocks noChangeAspect="1" noChangeArrowheads="1"/>
+          </p:cNvPicPr>
           <p:nvPr/>
-        </p:nvSpPr>
-        <p:spPr>
-          <a:xfrm>
-            <a:off x="0" y="4437112"/>
-            <a:ext cx="12192000" cy="954107"/>
+        </p:nvPicPr>
+        <p:blipFill>
+          <a:blip r:embed="rId2" cstate="print"/>
+          <a:srcRect/>
+          <a:stretch>
+            <a:fillRect/>
+          </a:stretch>
+        </p:blipFill>
+        <p:spPr bwMode="auto">
+          <a:xfrm>
+            <a:off x="623392" y="3354800"/>
+            <a:ext cx="1679106" cy="1442352"/>
           </a:xfrm>
           <a:prstGeom prst="rect">
             <a:avLst/>
           </a:prstGeom>
           <a:noFill/>
         </p:spPr>
+      </p:pic>
+      <p:pic>
+        <p:nvPicPr>
+          <p:cNvPr id="14" name="Picture 2" descr="http://winetwork.ru/images/configure%20routers/static%20ip.jpg"/>
+          <p:cNvPicPr>
+            <a:picLocks noChangeAspect="1" noChangeArrowheads="1"/>
+          </p:cNvPicPr>
+          <p:nvPr/>
+        </p:nvPicPr>
+        <p:blipFill>
+          <a:blip r:embed="rId3" cstate="print"/>
+          <a:srcRect/>
+          <a:stretch>
+            <a:fillRect/>
+          </a:stretch>
+        </p:blipFill>
+        <p:spPr bwMode="auto">
+          <a:xfrm>
+            <a:off x="6732242" y="1235166"/>
+            <a:ext cx="5107748" cy="2553874"/>
+          </a:xfrm>
+          <a:prstGeom prst="rect">
+            <a:avLst/>
+          </a:prstGeom>
+          <a:noFill/>
+        </p:spPr>
+      </p:pic>
+      <p:sp>
+        <p:nvSpPr>
+          <p:cNvPr id="2" name="Прямоугольник 1"/>
+          <p:cNvSpPr/>
+          <p:nvPr/>
+        </p:nvSpPr>
+        <p:spPr>
+          <a:xfrm>
+            <a:off x="2855640" y="5139189"/>
+            <a:ext cx="6912768" cy="954107"/>
+          </a:xfrm>
+          <a:prstGeom prst="rect">
+            <a:avLst/>
+          </a:prstGeom>
+        </p:spPr>
+        <p:txBody>
+          <a:bodyPr wrap="square">
+            <a:spAutoFit/>
+          </a:bodyPr>
+          <a:lstStyle/>
+          <a:p>
+            <a:pPr algn="ctr"/>
+            <a:r>
+              <a:rPr lang="en-US" sz="2800" b="1" dirty="0"/>
+              <a:t>IP-</a:t>
+            </a:r>
+            <a:r>
+              <a:rPr lang="ru-RU" sz="2800" b="1" dirty="0"/>
+              <a:t>адрес</a:t>
+            </a:r>
+            <a:r>
+              <a:rPr lang="uk-UA" sz="2800" b="1" dirty="0"/>
+              <a:t> </a:t>
+            </a:r>
+            <a:r>
+              <a:rPr lang="ru-RU" sz="2800" dirty="0"/>
+              <a:t>уникальный сетевой адрес узла в компьютерной сети</a:t>
+            </a:r>
+            <a:r>
+              <a:rPr lang="en-US" sz="2800" dirty="0"/>
+              <a:t> (</a:t>
+            </a:r>
+            <a:r>
+              <a:rPr lang="uk-UA" sz="2800" dirty="0" err="1"/>
+              <a:t>Интернете</a:t>
+            </a:r>
+            <a:r>
+              <a:rPr lang="en-US" sz="2800" dirty="0"/>
+              <a:t>)</a:t>
+            </a:r>
+            <a:endParaRPr lang="uk-UA" sz="2800" dirty="0"/>
+          </a:p>
+        </p:txBody>
+      </p:sp>
+      <p:sp>
+        <p:nvSpPr>
+          <p:cNvPr id="3" name="TextBox 2"/>
+          <p:cNvSpPr txBox="1"/>
+          <p:nvPr/>
+        </p:nvSpPr>
+        <p:spPr>
+          <a:xfrm>
+            <a:off x="-1" y="334397"/>
+            <a:ext cx="12192001" cy="707886"/>
+          </a:xfrm>
+          <a:prstGeom prst="rect">
+            <a:avLst/>
+          </a:prstGeom>
+          <a:noFill/>
+        </p:spPr>
         <p:txBody>
           <a:bodyPr wrap="square" rtlCol="0">
             <a:spAutoFit/>
@@ -9983,113 +9984,118 @@
           <a:p>
             <a:pPr algn="ctr"/>
             <a:r>
-              <a:rPr lang="en-US" sz="2800" b="1" dirty="0"/>
-              <a:t>Live Server – </a:t>
-            </a:r>
-            <a:r>
-              <a:rPr lang="ru-RU" sz="2800" dirty="0"/>
-              <a:t>расширение</a:t>
-            </a:r>
-            <a:r>
-              <a:rPr lang="uk-UA" sz="2800" dirty="0"/>
-              <a:t> к </a:t>
-            </a:r>
-            <a:r>
-              <a:rPr lang="en-US" sz="2800" b="1" dirty="0"/>
-              <a:t>Visual Studio Code </a:t>
-            </a:r>
-            <a:r>
-              <a:rPr lang="ru-RU" sz="2800" dirty="0"/>
-              <a:t>позволяющая </a:t>
-            </a:r>
-            <a:br>
-              <a:rPr lang="en-US" sz="2800" dirty="0"/>
-            </a:br>
-            <a:r>
-              <a:rPr lang="ru-RU" sz="2800" dirty="0"/>
-              <a:t>запускать локальный</a:t>
-            </a:r>
-            <a:r>
-              <a:rPr lang="ru-RU" sz="2800" b="1" dirty="0"/>
-              <a:t> веб-сервер</a:t>
-            </a:r>
-            <a:r>
-              <a:rPr lang="ru-RU" sz="2800" dirty="0"/>
-              <a:t> с целью отладки и тестирования</a:t>
-            </a:r>
-            <a:endParaRPr lang="uk-UA" sz="2800" dirty="0"/>
-          </a:p>
-        </p:txBody>
-      </p:sp>
-      <p:sp>
-        <p:nvSpPr>
-          <p:cNvPr id="2" name="Прямоугольник 1"/>
-          <p:cNvSpPr/>
+              <a:rPr lang="ru-RU" sz="4000" b="1" dirty="0"/>
+              <a:t>Адресация в Интернете</a:t>
+            </a:r>
+            <a:r>
+              <a:rPr lang="en-US" sz="4000" b="1" dirty="0"/>
+              <a:t> / IP </a:t>
+            </a:r>
+            <a:r>
+              <a:rPr lang="ru-RU" sz="4000" b="1" dirty="0"/>
+              <a:t>адрес</a:t>
+            </a:r>
+            <a:endParaRPr lang="uk-UA" sz="4000" b="1" dirty="0"/>
+          </a:p>
+        </p:txBody>
+      </p:sp>
+      <p:sp>
+        <p:nvSpPr>
+          <p:cNvPr id="7" name="Заголовок 1"/>
+          <p:cNvSpPr txBox="1">
+            <a:spLocks/>
+          </p:cNvSpPr>
           <p:nvPr/>
         </p:nvSpPr>
         <p:spPr>
           <a:xfrm>
-            <a:off x="0" y="5661248"/>
-            <a:ext cx="12192000" cy="400110"/>
+            <a:off x="2423593" y="4010703"/>
+            <a:ext cx="9768408" cy="498417"/>
           </a:xfrm>
           <a:prstGeom prst="rect">
             <a:avLst/>
           </a:prstGeom>
         </p:spPr>
         <p:txBody>
+          <a:bodyPr vert="horz" lIns="91440" tIns="45720" rIns="91440" bIns="45720" rtlCol="0" anchor="ctr">
+            <a:noAutofit/>
+          </a:bodyPr>
+          <a:lstStyle/>
+          <a:p>
+            <a:pPr>
+              <a:spcBef>
+                <a:spcPct val="0"/>
+              </a:spcBef>
+            </a:pPr>
+            <a:r>
+              <a:rPr lang="en-US" sz="3600" dirty="0">
+                <a:latin typeface="+mj-lt"/>
+                <a:ea typeface="+mj-ea"/>
+                <a:cs typeface="+mj-cs"/>
+              </a:rPr>
+              <a:t>IPv6:</a:t>
+            </a:r>
+            <a:r>
+              <a:rPr lang="ru-RU" sz="3600" dirty="0"/>
+              <a:t> </a:t>
+            </a:r>
+            <a:r>
+              <a:rPr lang="en-US" sz="3600" b="1" dirty="0"/>
+              <a:t>2001:0db8:11a3:09d7:1f34:8a2e:07a0:765d </a:t>
+            </a:r>
+            <a:r>
+              <a:rPr lang="en-US" sz="3600" dirty="0"/>
+              <a:t> </a:t>
+            </a:r>
+            <a:endParaRPr lang="uk-UA" sz="3600" b="1" dirty="0"/>
+          </a:p>
+        </p:txBody>
+      </p:sp>
+      <p:sp>
+        <p:nvSpPr>
+          <p:cNvPr id="8" name="Прямоугольник 7"/>
+          <p:cNvSpPr/>
+          <p:nvPr/>
+        </p:nvSpPr>
+        <p:spPr>
+          <a:xfrm>
+            <a:off x="1271464" y="1988840"/>
+            <a:ext cx="6984777" cy="646331"/>
+          </a:xfrm>
+          <a:prstGeom prst="rect">
+            <a:avLst/>
+          </a:prstGeom>
+        </p:spPr>
+        <p:txBody>
           <a:bodyPr wrap="square">
             <a:spAutoFit/>
           </a:bodyPr>
           <a:lstStyle/>
           <a:p>
-            <a:pPr algn="ctr"/>
-            <a:r>
-              <a:rPr lang="en-US" sz="2000" b="1" dirty="0">
-                <a:hlinkClick r:id="rId3"/>
-              </a:rPr>
-              <a:t>https://marketplace.visualstudio.com/items?itemName=ritwickdey.LiveServer</a:t>
-            </a:r>
-            <a:endParaRPr lang="ru-RU" sz="2000" b="1" dirty="0"/>
-          </a:p>
-        </p:txBody>
-      </p:sp>
-      <p:pic>
-        <p:nvPicPr>
-          <p:cNvPr id="4" name="Рисунок 3"/>
-          <p:cNvPicPr>
-            <a:picLocks noChangeAspect="1"/>
-          </p:cNvPicPr>
-          <p:nvPr/>
-        </p:nvPicPr>
-        <p:blipFill rotWithShape="1">
-          <a:blip r:embed="rId4"/>
-          <a:srcRect b="65395"/>
-          <a:stretch/>
-        </p:blipFill>
-        <p:spPr>
-          <a:xfrm>
-            <a:off x="0" y="1803417"/>
-            <a:ext cx="12201996" cy="2057631"/>
-          </a:xfrm>
-          <a:prstGeom prst="rect">
-            <a:avLst/>
-          </a:prstGeom>
-          <a:ln>
-            <a:noFill/>
-          </a:ln>
-          <a:effectLst>
-            <a:outerShdw blurRad="292100" dist="139700" dir="2700000" algn="tl" rotWithShape="0">
-              <a:srgbClr val="333333">
-                <a:alpha val="65000"/>
-              </a:srgbClr>
-            </a:outerShdw>
-          </a:effectLst>
-        </p:spPr>
-      </p:pic>
+            <a:pPr>
+              <a:spcBef>
+                <a:spcPct val="0"/>
+              </a:spcBef>
+            </a:pPr>
+            <a:r>
+              <a:rPr lang="en-US" sz="3600" dirty="0"/>
+              <a:t>IPv4: </a:t>
+            </a:r>
+            <a:r>
+              <a:rPr lang="en-US" sz="3600" b="1" dirty="0"/>
+              <a:t>77.222.150.27</a:t>
+            </a:r>
+            <a:r>
+              <a:rPr lang="en-US" sz="3600" dirty="0"/>
+              <a:t> </a:t>
+            </a:r>
+          </a:p>
+        </p:txBody>
+      </p:sp>
     </p:spTree>
     <p:extLst>
       <p:ext uri="{BB962C8B-B14F-4D97-AF65-F5344CB8AC3E}">
-        <p14:creationId xmlns:p14="http://schemas.microsoft.com/office/powerpoint/2010/main" val="2992149249"/>
+        <p14:creationId xmlns:p14="http://schemas.microsoft.com/office/powerpoint/2010/main" val="1106840640"/>
       </p:ext>
     </p:extLst>
   </p:cSld>
@@ -10118,23 +10124,203 @@
       </p:grpSpPr>
       <p:sp>
         <p:nvSpPr>
-          <p:cNvPr id="5" name="Прямоугольник 4"/>
-          <p:cNvSpPr/>
+          <p:cNvPr id="37" name="Номер слайда 36"/>
+          <p:cNvSpPr>
+            <a:spLocks noGrp="1"/>
+          </p:cNvSpPr>
+          <p:nvPr>
+            <p:ph type="sldNum" sz="quarter" idx="12"/>
+          </p:nvPr>
+        </p:nvSpPr>
+        <p:spPr>
+          <a:xfrm>
+            <a:off x="11208568" y="6165304"/>
+            <a:ext cx="648072" cy="432048"/>
+          </a:xfrm>
+          <a:prstGeom prst="roundRect">
+            <a:avLst/>
+          </a:prstGeom>
+          <a:ln>
+            <a:solidFill>
+              <a:schemeClr val="tx2">
+                <a:lumMod val="60000"/>
+                <a:lumOff val="40000"/>
+              </a:schemeClr>
+            </a:solidFill>
+          </a:ln>
+        </p:spPr>
+        <p:style>
+          <a:lnRef idx="2">
+            <a:schemeClr val="accent1"/>
+          </a:lnRef>
+          <a:fillRef idx="1">
+            <a:schemeClr val="lt1"/>
+          </a:fillRef>
+          <a:effectRef idx="0">
+            <a:schemeClr val="accent1"/>
+          </a:effectRef>
+          <a:fontRef idx="minor">
+            <a:schemeClr val="dk1"/>
+          </a:fontRef>
+        </p:style>
+        <p:txBody>
+          <a:bodyPr/>
+          <a:lstStyle/>
+          <a:p>
+            <a:pPr algn="ctr"/>
+            <a:fld id="{6389AA22-90B4-448C-8B6B-C699140D38B9}" type="slidenum">
+              <a:rPr lang="uk-UA" sz="2400" b="1">
+                <a:solidFill>
+                  <a:schemeClr val="bg1">
+                    <a:lumMod val="50000"/>
+                  </a:schemeClr>
+                </a:solidFill>
+              </a:rPr>
+              <a:pPr algn="ctr"/>
+              <a:t>23</a:t>
+            </a:fld>
+            <a:endParaRPr lang="uk-UA" sz="2400" b="1" dirty="0">
+              <a:solidFill>
+                <a:schemeClr val="bg1">
+                  <a:lumMod val="50000"/>
+                </a:schemeClr>
+              </a:solidFill>
+            </a:endParaRPr>
+          </a:p>
+        </p:txBody>
+      </p:sp>
+      <p:sp>
+        <p:nvSpPr>
+          <p:cNvPr id="58" name="Заголовок 1"/>
+          <p:cNvSpPr txBox="1">
+            <a:spLocks/>
+          </p:cNvSpPr>
           <p:nvPr/>
         </p:nvSpPr>
         <p:spPr>
           <a:xfrm>
-            <a:off x="0" y="0"/>
-            <a:ext cx="12192000" cy="6858000"/>
+            <a:off x="0" y="260648"/>
+            <a:ext cx="12192000" cy="706090"/>
           </a:xfrm>
           <a:prstGeom prst="rect">
             <a:avLst/>
           </a:prstGeom>
-          <a:solidFill>
-            <a:schemeClr val="tx2">
-              <a:lumMod val="75000"/>
-            </a:schemeClr>
-          </a:solidFill>
+        </p:spPr>
+        <p:txBody>
+          <a:bodyPr vert="horz" lIns="91440" tIns="45720" rIns="91440" bIns="45720" rtlCol="0" anchor="ctr">
+            <a:normAutofit fontScale="97500"/>
+          </a:bodyPr>
+          <a:lstStyle/>
+          <a:p>
+            <a:pPr algn="ctr">
+              <a:spcBef>
+                <a:spcPct val="0"/>
+              </a:spcBef>
+              <a:defRPr/>
+            </a:pPr>
+            <a:r>
+              <a:rPr lang="en-US" sz="3200" b="1" dirty="0">
+                <a:latin typeface="+mj-lt"/>
+                <a:ea typeface="+mj-ea"/>
+                <a:cs typeface="+mj-cs"/>
+              </a:rPr>
+              <a:t>DNS – </a:t>
+            </a:r>
+            <a:r>
+              <a:rPr lang="ru-RU" sz="3200" b="1" dirty="0">
+                <a:latin typeface="+mj-lt"/>
+                <a:ea typeface="+mj-ea"/>
+                <a:cs typeface="+mj-cs"/>
+              </a:rPr>
+              <a:t>всемирная «адресная книга»</a:t>
+            </a:r>
+            <a:endParaRPr lang="uk-UA" sz="3200" b="1" dirty="0">
+              <a:latin typeface="+mj-lt"/>
+              <a:ea typeface="+mj-ea"/>
+              <a:cs typeface="+mj-cs"/>
+            </a:endParaRPr>
+          </a:p>
+        </p:txBody>
+      </p:sp>
+      <p:sp>
+        <p:nvSpPr>
+          <p:cNvPr id="82" name="TextBox 81"/>
+          <p:cNvSpPr txBox="1"/>
+          <p:nvPr/>
+        </p:nvSpPr>
+        <p:spPr>
+          <a:xfrm>
+            <a:off x="3003992" y="4500409"/>
+            <a:ext cx="2504212" cy="584775"/>
+          </a:xfrm>
+          <a:prstGeom prst="rect">
+            <a:avLst/>
+          </a:prstGeom>
+          <a:noFill/>
+        </p:spPr>
+        <p:txBody>
+          <a:bodyPr wrap="none" rtlCol="0">
+            <a:spAutoFit/>
+          </a:bodyPr>
+          <a:lstStyle/>
+          <a:p>
+            <a:r>
+              <a:rPr lang="en-US" sz="3200" b="1" dirty="0"/>
+              <a:t>wikipedia.org</a:t>
+            </a:r>
+            <a:endParaRPr lang="uk-UA" sz="3200" b="1" dirty="0"/>
+          </a:p>
+        </p:txBody>
+      </p:sp>
+      <p:sp>
+        <p:nvSpPr>
+          <p:cNvPr id="84" name="Прямоугольник 83"/>
+          <p:cNvSpPr/>
+          <p:nvPr/>
+        </p:nvSpPr>
+        <p:spPr>
+          <a:xfrm>
+            <a:off x="6820419" y="4500409"/>
+            <a:ext cx="2803973" cy="584775"/>
+          </a:xfrm>
+          <a:prstGeom prst="rect">
+            <a:avLst/>
+          </a:prstGeom>
+        </p:spPr>
+        <p:txBody>
+          <a:bodyPr wrap="none">
+            <a:spAutoFit/>
+          </a:bodyPr>
+          <a:lstStyle/>
+          <a:p>
+            <a:r>
+              <a:rPr lang="en-US" sz="3200" b="1" dirty="0"/>
+              <a:t>91.198.174.192</a:t>
+            </a:r>
+            <a:endParaRPr lang="uk-UA" sz="3200" b="1" dirty="0"/>
+          </a:p>
+        </p:txBody>
+      </p:sp>
+      <p:sp>
+        <p:nvSpPr>
+          <p:cNvPr id="90" name="Стрелка вправо 89"/>
+          <p:cNvSpPr/>
+          <p:nvPr/>
+        </p:nvSpPr>
+        <p:spPr>
+          <a:xfrm>
+            <a:off x="5879976" y="4540765"/>
+            <a:ext cx="724416" cy="504056"/>
+          </a:xfrm>
+          <a:prstGeom prst="rightArrow">
+            <a:avLst/>
+          </a:prstGeom>
+          <a:noFill/>
+          <a:ln>
+            <a:solidFill>
+              <a:srgbClr val="00B0F0"/>
+            </a:solidFill>
+          </a:ln>
         </p:spPr>
         <p:style>
           <a:lnRef idx="2">
@@ -10157,22 +10343,170 @@
           <a:lstStyle/>
           <a:p>
             <a:pPr algn="ctr"/>
-            <a:r>
-              <a:rPr lang="en-US" sz="8000" b="1" dirty="0"/>
-              <a:t>4. </a:t>
-            </a:r>
-            <a:r>
-              <a:rPr lang="ru-RU" sz="8000" b="1" dirty="0"/>
-              <a:t>Хостинг</a:t>
-            </a:r>
-            <a:endParaRPr lang="uk-UA" sz="8000" b="1" dirty="0"/>
+            <a:endParaRPr lang="uk-UA" dirty="0"/>
+          </a:p>
+        </p:txBody>
+      </p:sp>
+      <p:sp>
+        <p:nvSpPr>
+          <p:cNvPr id="9" name="TextBox 8"/>
+          <p:cNvSpPr txBox="1"/>
+          <p:nvPr/>
+        </p:nvSpPr>
+        <p:spPr>
+          <a:xfrm>
+            <a:off x="0" y="1023119"/>
+            <a:ext cx="12191999" cy="461665"/>
+          </a:xfrm>
+          <a:prstGeom prst="rect">
+            <a:avLst/>
+          </a:prstGeom>
+          <a:noFill/>
+        </p:spPr>
+        <p:txBody>
+          <a:bodyPr wrap="square" rtlCol="0">
+            <a:spAutoFit/>
+          </a:bodyPr>
+          <a:lstStyle/>
+          <a:p>
+            <a:pPr algn="ctr"/>
+            <a:r>
+              <a:rPr lang="en-US" sz="2400" b="1" dirty="0"/>
+              <a:t>(Domain Name System</a:t>
+            </a:r>
+            <a:r>
+              <a:rPr lang="ru-RU" sz="2400" b="1" dirty="0"/>
+              <a:t> – Система Доменных Имён</a:t>
+            </a:r>
+            <a:r>
+              <a:rPr lang="en-US" sz="2400" b="1" dirty="0"/>
+              <a:t>) </a:t>
+            </a:r>
+            <a:endParaRPr lang="uk-UA" sz="2400" b="1" dirty="0"/>
+          </a:p>
+        </p:txBody>
+      </p:sp>
+      <p:pic>
+        <p:nvPicPr>
+          <p:cNvPr id="25602" name="Picture 2" descr="http://www.yellowpages.com.iq/img/yellow_page_pdf_btn.png"/>
+          <p:cNvPicPr>
+            <a:picLocks noChangeAspect="1" noChangeArrowheads="1"/>
+          </p:cNvPicPr>
+          <p:nvPr/>
+        </p:nvPicPr>
+        <p:blipFill>
+          <a:blip r:embed="rId2" cstate="print"/>
+          <a:srcRect/>
+          <a:stretch>
+            <a:fillRect/>
+          </a:stretch>
+        </p:blipFill>
+        <p:spPr bwMode="auto">
+          <a:xfrm>
+            <a:off x="2704728" y="1625055"/>
+            <a:ext cx="3319264" cy="2524025"/>
+          </a:xfrm>
+          <a:prstGeom prst="rect">
+            <a:avLst/>
+          </a:prstGeom>
+          <a:noFill/>
+        </p:spPr>
+      </p:pic>
+      <p:pic>
+        <p:nvPicPr>
+          <p:cNvPr id="25606" name="Picture 6" descr="http://nicksherman.com/articles/bellCentennial/inUse.jpg"/>
+          <p:cNvPicPr>
+            <a:picLocks noChangeAspect="1" noChangeArrowheads="1"/>
+          </p:cNvPicPr>
+          <p:nvPr/>
+        </p:nvPicPr>
+        <p:blipFill>
+          <a:blip r:embed="rId3" cstate="print"/>
+          <a:srcRect/>
+          <a:stretch>
+            <a:fillRect/>
+          </a:stretch>
+        </p:blipFill>
+        <p:spPr bwMode="auto">
+          <a:xfrm>
+            <a:off x="6528048" y="1625055"/>
+            <a:ext cx="3272880" cy="2454660"/>
+          </a:xfrm>
+          <a:prstGeom prst="rect">
+            <a:avLst/>
+          </a:prstGeom>
+          <a:ln>
+            <a:solidFill>
+              <a:srgbClr val="00B0F0"/>
+            </a:solidFill>
+          </a:ln>
+          <a:effectLst>
+            <a:outerShdw blurRad="292100" dist="139700" dir="2700000" algn="tl" rotWithShape="0">
+              <a:srgbClr val="333333">
+                <a:alpha val="65000"/>
+              </a:srgbClr>
+            </a:outerShdw>
+          </a:effectLst>
+        </p:spPr>
+      </p:pic>
+      <p:sp>
+        <p:nvSpPr>
+          <p:cNvPr id="2" name="Прямоугольник 1"/>
+          <p:cNvSpPr/>
+          <p:nvPr/>
+        </p:nvSpPr>
+        <p:spPr>
+          <a:xfrm>
+            <a:off x="1559496" y="5334307"/>
+            <a:ext cx="9289032" cy="830997"/>
+          </a:xfrm>
+          <a:prstGeom prst="rect">
+            <a:avLst/>
+          </a:prstGeom>
+        </p:spPr>
+        <p:txBody>
+          <a:bodyPr wrap="square">
+            <a:spAutoFit/>
+          </a:bodyPr>
+          <a:lstStyle/>
+          <a:p>
+            <a:pPr algn="ctr"/>
+            <a:r>
+              <a:rPr lang="ru-RU" sz="2400" dirty="0"/>
+              <a:t>Основная задача </a:t>
+            </a:r>
+            <a:r>
+              <a:rPr lang="en-US" sz="2400" b="1" dirty="0"/>
+              <a:t>DNS </a:t>
+            </a:r>
+            <a:r>
+              <a:rPr lang="ru-RU" sz="2400" dirty="0"/>
+              <a:t>сообщать </a:t>
+            </a:r>
+            <a:r>
+              <a:rPr lang="en-US" sz="2400" b="1" dirty="0"/>
+              <a:t>IP-</a:t>
+            </a:r>
+            <a:r>
+              <a:rPr lang="ru-RU" sz="2400" b="1" dirty="0"/>
+              <a:t>адрес </a:t>
+            </a:r>
+            <a:r>
+              <a:rPr lang="ru-RU" sz="2400" dirty="0"/>
+              <a:t>компьютера который скрывается под тем или иным доменным именем.</a:t>
+            </a:r>
+            <a:r>
+              <a:rPr lang="en-US" sz="2400" dirty="0"/>
+              <a:t> </a:t>
+            </a:r>
+            <a:endParaRPr lang="uk-UA" sz="2400" dirty="0"/>
           </a:p>
         </p:txBody>
       </p:sp>
     </p:spTree>
     <p:extLst>
       <p:ext uri="{BB962C8B-B14F-4D97-AF65-F5344CB8AC3E}">
-        <p14:creationId xmlns:p14="http://schemas.microsoft.com/office/powerpoint/2010/main" val="3089917501"/>
+        <p14:creationId xmlns:p14="http://schemas.microsoft.com/office/powerpoint/2010/main" val="1136467543"/>
       </p:ext>
     </p:extLst>
   </p:cSld>
@@ -10201,13 +10535,46 @@
       </p:grpSpPr>
       <p:sp>
         <p:nvSpPr>
-          <p:cNvPr id="37" name="Номер слайда 36"/>
-          <p:cNvSpPr>
-            <a:spLocks noGrp="1"/>
+          <p:cNvPr id="8" name="TextBox 7"/>
+          <p:cNvSpPr txBox="1"/>
+          <p:nvPr/>
+        </p:nvSpPr>
+        <p:spPr>
+          <a:xfrm>
+            <a:off x="2135560" y="404665"/>
+            <a:ext cx="7920880" cy="646331"/>
+          </a:xfrm>
+          <a:prstGeom prst="rect">
+            <a:avLst/>
+          </a:prstGeom>
+          <a:noFill/>
+        </p:spPr>
+        <p:txBody>
+          <a:bodyPr wrap="square" rtlCol="0">
+            <a:spAutoFit/>
+          </a:bodyPr>
+          <a:lstStyle/>
+          <a:p>
+            <a:pPr algn="ctr"/>
+            <a:r>
+              <a:rPr lang="en-US" sz="3600" b="1" dirty="0"/>
+              <a:t>NeoCities.org – </a:t>
+            </a:r>
+            <a:r>
+              <a:rPr lang="ru-RU" sz="3600" b="1" dirty="0"/>
+              <a:t>статический хостинг</a:t>
+            </a:r>
+            <a:endParaRPr lang="en-US" sz="3600" b="1" dirty="0"/>
+          </a:p>
+        </p:txBody>
+      </p:sp>
+      <p:sp>
+        <p:nvSpPr>
+          <p:cNvPr id="4" name="Номер слайда 36"/>
+          <p:cNvSpPr txBox="1">
+            <a:spLocks/>
           </p:cNvSpPr>
-          <p:nvPr>
-            <p:ph type="sldNum" sz="quarter" idx="12"/>
-          </p:nvPr>
+          <p:nvPr/>
         </p:nvSpPr>
         <p:spPr>
           <a:xfrm>
@@ -10217,13 +10584,14 @@
           <a:prstGeom prst="roundRect">
             <a:avLst/>
           </a:prstGeom>
-          <a:ln>
+          <a:ln w="25400" cap="flat" cmpd="sng" algn="ctr">
             <a:solidFill>
               <a:schemeClr val="tx2">
                 <a:lumMod val="60000"/>
                 <a:lumOff val="40000"/>
               </a:schemeClr>
             </a:solidFill>
+            <a:prstDash val="solid"/>
           </a:ln>
         </p:spPr>
         <p:style>
@@ -10241,10 +10609,12 @@
           </a:fontRef>
         </p:style>
         <p:txBody>
-          <a:bodyPr/>
-          <a:lstStyle/>
-          <a:p>
-            <a:pPr algn="ctr"/>
+          <a:bodyPr vert="horz" lIns="91440" tIns="45720" rIns="91440" bIns="45720" rtlCol="0" anchor="ctr"/>
+          <a:lstStyle/>
+          <a:p>
+            <a:pPr algn="ctr">
+              <a:defRPr/>
+            </a:pPr>
             <a:fld id="{6389AA22-90B4-448C-8B6B-C699140D38B9}" type="slidenum">
               <a:rPr lang="uk-UA" sz="2400" b="1">
                 <a:solidFill>
@@ -10253,7 +10623,9 @@
                   </a:schemeClr>
                 </a:solidFill>
               </a:rPr>
-              <a:pPr algn="ctr"/>
+              <a:pPr algn="ctr">
+                <a:defRPr/>
+              </a:pPr>
               <a:t>24</a:t>
             </a:fld>
             <a:endParaRPr lang="uk-UA" sz="2400" b="1" dirty="0">
@@ -10266,248 +10638,168 @@
           </a:p>
         </p:txBody>
       </p:sp>
+      <p:sp>
+        <p:nvSpPr>
+          <p:cNvPr id="2" name="TextBox 1"/>
+          <p:cNvSpPr txBox="1"/>
+          <p:nvPr/>
+        </p:nvSpPr>
+        <p:spPr>
+          <a:xfrm>
+            <a:off x="7104112" y="1340768"/>
+            <a:ext cx="3430646" cy="2554545"/>
+          </a:xfrm>
+          <a:prstGeom prst="rect">
+            <a:avLst/>
+          </a:prstGeom>
+          <a:noFill/>
+        </p:spPr>
+        <p:txBody>
+          <a:bodyPr wrap="square" rtlCol="0">
+            <a:spAutoFit/>
+          </a:bodyPr>
+          <a:lstStyle/>
+          <a:p>
+            <a:r>
+              <a:rPr lang="ru-RU" sz="2000" b="1" dirty="0"/>
+              <a:t>Статический хостинг </a:t>
+            </a:r>
+            <a:r>
+              <a:rPr lang="ru-RU" sz="2000" dirty="0"/>
+              <a:t>– хостинг которых предлагает только размещение файлов сайта. Подходит для сайтов которым не нужны серверные инструменты (например: </a:t>
+            </a:r>
+            <a:r>
+              <a:rPr lang="en-US" sz="2000" dirty="0"/>
+              <a:t>PHP </a:t>
+            </a:r>
+            <a:r>
+              <a:rPr lang="ru-RU" sz="2000" dirty="0"/>
+              <a:t>сценарии, база данных и т.п.).</a:t>
+            </a:r>
+            <a:endParaRPr lang="uk-UA" sz="2000" dirty="0"/>
+          </a:p>
+        </p:txBody>
+      </p:sp>
+      <p:sp>
+        <p:nvSpPr>
+          <p:cNvPr id="3" name="Прямоугольник 2"/>
+          <p:cNvSpPr/>
+          <p:nvPr/>
+        </p:nvSpPr>
+        <p:spPr>
+          <a:xfrm>
+            <a:off x="2863676" y="4365104"/>
+            <a:ext cx="3448573" cy="523220"/>
+          </a:xfrm>
+          <a:prstGeom prst="rect">
+            <a:avLst/>
+          </a:prstGeom>
+        </p:spPr>
+        <p:txBody>
+          <a:bodyPr wrap="none">
+            <a:spAutoFit/>
+          </a:bodyPr>
+          <a:lstStyle/>
+          <a:p>
+            <a:r>
+              <a:rPr lang="uk-UA" sz="2800" b="1" dirty="0">
+                <a:hlinkClick r:id="rId2"/>
+              </a:rPr>
+              <a:t>https://neocities.org/</a:t>
+            </a:r>
+            <a:endParaRPr lang="uk-UA" sz="2800" b="1" dirty="0"/>
+          </a:p>
+        </p:txBody>
+      </p:sp>
       <p:pic>
         <p:nvPicPr>
-          <p:cNvPr id="30729" name="Picture 9" descr="http://drtapac.biz/wp-content/uploads/2016/05/crosley-113.jpg"/>
+          <p:cNvPr id="6" name="Рисунок 5"/>
           <p:cNvPicPr>
-            <a:picLocks noChangeAspect="1" noChangeArrowheads="1"/>
+            <a:picLocks noChangeAspect="1"/>
           </p:cNvPicPr>
           <p:nvPr/>
         </p:nvPicPr>
         <p:blipFill>
-          <a:blip r:embed="rId2" cstate="print"/>
-          <a:srcRect/>
+          <a:blip r:embed="rId3"/>
           <a:stretch>
             <a:fillRect/>
           </a:stretch>
         </p:blipFill>
-        <p:spPr bwMode="auto">
-          <a:xfrm>
-            <a:off x="623392" y="3354800"/>
-            <a:ext cx="1679106" cy="1442352"/>
+        <p:spPr>
+          <a:xfrm>
+            <a:off x="2405302" y="1253890"/>
+            <a:ext cx="4365323" cy="2895190"/>
+          </a:xfrm>
+          <a:prstGeom prst="rect">
+            <a:avLst/>
+          </a:prstGeom>
+          <a:ln>
+            <a:noFill/>
+          </a:ln>
+          <a:effectLst>
+            <a:outerShdw blurRad="292100" dist="139700" dir="2700000" algn="tl" rotWithShape="0">
+              <a:srgbClr val="333333">
+                <a:alpha val="65000"/>
+              </a:srgbClr>
+            </a:outerShdw>
+          </a:effectLst>
+        </p:spPr>
+      </p:pic>
+      <p:sp>
+        <p:nvSpPr>
+          <p:cNvPr id="5" name="TextBox 4"/>
+          <p:cNvSpPr txBox="1"/>
+          <p:nvPr/>
+        </p:nvSpPr>
+        <p:spPr>
+          <a:xfrm>
+            <a:off x="4799857" y="4941169"/>
+            <a:ext cx="5400599" cy="1015663"/>
           </a:xfrm>
           <a:prstGeom prst="rect">
             <a:avLst/>
           </a:prstGeom>
           <a:noFill/>
         </p:spPr>
-      </p:pic>
-      <p:pic>
-        <p:nvPicPr>
-          <p:cNvPr id="14" name="Picture 2" descr="http://winetwork.ru/images/configure%20routers/static%20ip.jpg"/>
-          <p:cNvPicPr>
-            <a:picLocks noChangeAspect="1" noChangeArrowheads="1"/>
-          </p:cNvPicPr>
-          <p:nvPr/>
-        </p:nvPicPr>
-        <p:blipFill>
-          <a:blip r:embed="rId3" cstate="print"/>
-          <a:srcRect/>
-          <a:stretch>
-            <a:fillRect/>
-          </a:stretch>
-        </p:blipFill>
-        <p:spPr bwMode="auto">
-          <a:xfrm>
-            <a:off x="6732242" y="1235166"/>
-            <a:ext cx="5107748" cy="2553874"/>
-          </a:xfrm>
-          <a:prstGeom prst="rect">
-            <a:avLst/>
-          </a:prstGeom>
-          <a:noFill/>
-        </p:spPr>
-      </p:pic>
-      <p:sp>
-        <p:nvSpPr>
-          <p:cNvPr id="2" name="Прямоугольник 1"/>
-          <p:cNvSpPr/>
-          <p:nvPr/>
-        </p:nvSpPr>
-        <p:spPr>
-          <a:xfrm>
-            <a:off x="2855640" y="5139189"/>
-            <a:ext cx="6912768" cy="954107"/>
-          </a:xfrm>
-          <a:prstGeom prst="rect">
-            <a:avLst/>
-          </a:prstGeom>
-        </p:spPr>
-        <p:txBody>
-          <a:bodyPr wrap="square">
-            <a:spAutoFit/>
-          </a:bodyPr>
-          <a:lstStyle/>
-          <a:p>
-            <a:pPr algn="ctr"/>
-            <a:r>
-              <a:rPr lang="en-US" sz="2800" b="1" dirty="0"/>
-              <a:t>IP-</a:t>
-            </a:r>
-            <a:r>
-              <a:rPr lang="ru-RU" sz="2800" b="1" dirty="0"/>
-              <a:t>адрес</a:t>
-            </a:r>
-            <a:r>
-              <a:rPr lang="uk-UA" sz="2800" b="1" dirty="0"/>
-              <a:t> </a:t>
-            </a:r>
-            <a:r>
-              <a:rPr lang="ru-RU" sz="2800" dirty="0"/>
-              <a:t>уникальный сетевой адрес узла в компьютерной сети</a:t>
-            </a:r>
-            <a:r>
-              <a:rPr lang="en-US" sz="2800" dirty="0"/>
-              <a:t> (</a:t>
-            </a:r>
-            <a:r>
-              <a:rPr lang="uk-UA" sz="2800" dirty="0" err="1"/>
-              <a:t>Интернете</a:t>
-            </a:r>
-            <a:r>
-              <a:rPr lang="en-US" sz="2800" dirty="0"/>
-              <a:t>)</a:t>
-            </a:r>
-            <a:endParaRPr lang="uk-UA" sz="2800" dirty="0"/>
-          </a:p>
-        </p:txBody>
-      </p:sp>
-      <p:sp>
-        <p:nvSpPr>
-          <p:cNvPr id="3" name="TextBox 2"/>
-          <p:cNvSpPr txBox="1"/>
-          <p:nvPr/>
-        </p:nvSpPr>
-        <p:spPr>
-          <a:xfrm>
-            <a:off x="-1" y="334397"/>
-            <a:ext cx="12192001" cy="707886"/>
-          </a:xfrm>
-          <a:prstGeom prst="rect">
-            <a:avLst/>
-          </a:prstGeom>
-          <a:noFill/>
-        </p:spPr>
         <p:txBody>
           <a:bodyPr wrap="square" rtlCol="0">
             <a:spAutoFit/>
           </a:bodyPr>
           <a:lstStyle/>
           <a:p>
-            <a:pPr algn="ctr"/>
-            <a:r>
-              <a:rPr lang="ru-RU" sz="4000" b="1" dirty="0"/>
-              <a:t>Адресация в Интернете</a:t>
-            </a:r>
-            <a:r>
-              <a:rPr lang="en-US" sz="4000" b="1" dirty="0"/>
-              <a:t> / IP </a:t>
-            </a:r>
-            <a:r>
-              <a:rPr lang="ru-RU" sz="4000" b="1" dirty="0"/>
-              <a:t>адрес</a:t>
-            </a:r>
-            <a:endParaRPr lang="uk-UA" sz="4000" b="1" dirty="0"/>
-          </a:p>
-        </p:txBody>
-      </p:sp>
-      <p:sp>
-        <p:nvSpPr>
-          <p:cNvPr id="7" name="Заголовок 1"/>
-          <p:cNvSpPr txBox="1">
-            <a:spLocks/>
-          </p:cNvSpPr>
-          <p:nvPr/>
-        </p:nvSpPr>
-        <p:spPr>
-          <a:xfrm>
-            <a:off x="2423593" y="4010703"/>
-            <a:ext cx="9768408" cy="498417"/>
-          </a:xfrm>
-          <a:prstGeom prst="rect">
-            <a:avLst/>
-          </a:prstGeom>
-        </p:spPr>
-        <p:txBody>
-          <a:bodyPr vert="horz" lIns="91440" tIns="45720" rIns="91440" bIns="45720" rtlCol="0" anchor="ctr">
-            <a:noAutofit/>
-          </a:bodyPr>
-          <a:lstStyle/>
-          <a:p>
-            <a:pPr>
-              <a:spcBef>
-                <a:spcPct val="0"/>
-              </a:spcBef>
-            </a:pPr>
-            <a:r>
-              <a:rPr lang="en-US" sz="3600" dirty="0">
-                <a:latin typeface="+mj-lt"/>
-                <a:ea typeface="+mj-ea"/>
-                <a:cs typeface="+mj-cs"/>
-              </a:rPr>
-              <a:t>IPv6:</a:t>
-            </a:r>
-            <a:r>
-              <a:rPr lang="ru-RU" sz="3600" dirty="0"/>
+            <a:pPr algn="r"/>
+            <a:r>
+              <a:rPr lang="ru-RU" sz="2000" b="1" i="1" dirty="0"/>
+              <a:t>Примечание: </a:t>
+            </a:r>
+            <a:r>
+              <a:rPr lang="ru-RU" sz="2000" i="1" dirty="0"/>
+              <a:t>имя файла главной страницы должно быть </a:t>
+            </a:r>
+            <a:r>
+              <a:rPr lang="en-US" sz="2000" b="1" i="1" dirty="0">
+                <a:solidFill>
+                  <a:srgbClr val="FF0000"/>
+                </a:solidFill>
+              </a:rPr>
+              <a:t>index.html</a:t>
+            </a:r>
+            <a:r>
+              <a:rPr lang="en-US" sz="2000" i="1" dirty="0"/>
               <a:t> </a:t>
             </a:r>
             <a:r>
-              <a:rPr lang="en-US" sz="3600" b="1" dirty="0"/>
-              <a:t>2001:0db8:11a3:09d7:1f34:8a2e:07a0:765d </a:t>
-            </a:r>
-            <a:r>
-              <a:rPr lang="en-US" sz="3600" dirty="0"/>
-              <a:t> </a:t>
-            </a:r>
-            <a:endParaRPr lang="uk-UA" sz="3600" b="1" dirty="0"/>
-          </a:p>
-        </p:txBody>
-      </p:sp>
-      <p:sp>
-        <p:nvSpPr>
-          <p:cNvPr id="8" name="Прямоугольник 7"/>
-          <p:cNvSpPr/>
-          <p:nvPr/>
-        </p:nvSpPr>
-        <p:spPr>
-          <a:xfrm>
-            <a:off x="1271464" y="1988840"/>
-            <a:ext cx="6984777" cy="646331"/>
-          </a:xfrm>
-          <a:prstGeom prst="rect">
-            <a:avLst/>
-          </a:prstGeom>
-        </p:spPr>
-        <p:txBody>
-          <a:bodyPr wrap="square">
-            <a:spAutoFit/>
-          </a:bodyPr>
-          <a:lstStyle/>
-          <a:p>
-            <a:pPr>
-              <a:spcBef>
-                <a:spcPct val="0"/>
-              </a:spcBef>
-            </a:pPr>
-            <a:r>
-              <a:rPr lang="en-US" sz="3600" dirty="0"/>
-              <a:t>IPv4: </a:t>
-            </a:r>
-            <a:r>
-              <a:rPr lang="en-US" sz="3600" b="1" dirty="0"/>
-              <a:t>77.222.150.27</a:t>
-            </a:r>
-            <a:r>
-              <a:rPr lang="en-US" sz="3600" dirty="0"/>
-              <a:t> </a:t>
-            </a:r>
+              <a:rPr lang="ru-RU" sz="2000" i="1" dirty="0"/>
+              <a:t>имена остальных страниц могут быть любыми.</a:t>
+            </a:r>
+            <a:endParaRPr lang="uk-UA" sz="2000" i="1" dirty="0"/>
           </a:p>
         </p:txBody>
       </p:sp>
     </p:spTree>
     <p:extLst>
       <p:ext uri="{BB962C8B-B14F-4D97-AF65-F5344CB8AC3E}">
-        <p14:creationId xmlns:p14="http://schemas.microsoft.com/office/powerpoint/2010/main" val="1106840640"/>
+        <p14:creationId xmlns:p14="http://schemas.microsoft.com/office/powerpoint/2010/main" val="2257134307"/>
       </p:ext>
     </p:extLst>
   </p:cSld>
@@ -10536,203 +10828,23 @@
       </p:grpSpPr>
       <p:sp>
         <p:nvSpPr>
-          <p:cNvPr id="37" name="Номер слайда 36"/>
-          <p:cNvSpPr>
-            <a:spLocks noGrp="1"/>
-          </p:cNvSpPr>
-          <p:nvPr>
-            <p:ph type="sldNum" sz="quarter" idx="12"/>
-          </p:nvPr>
+          <p:cNvPr id="5" name="Прямоугольник 4"/>
+          <p:cNvSpPr/>
+          <p:nvPr/>
         </p:nvSpPr>
         <p:spPr>
           <a:xfrm>
-            <a:off x="11208568" y="6165304"/>
-            <a:ext cx="648072" cy="432048"/>
-          </a:xfrm>
-          <a:prstGeom prst="roundRect">
-            <a:avLst/>
-          </a:prstGeom>
-          <a:ln>
-            <a:solidFill>
-              <a:schemeClr val="tx2">
-                <a:lumMod val="60000"/>
-                <a:lumOff val="40000"/>
-              </a:schemeClr>
-            </a:solidFill>
-          </a:ln>
-        </p:spPr>
-        <p:style>
-          <a:lnRef idx="2">
-            <a:schemeClr val="accent1"/>
-          </a:lnRef>
-          <a:fillRef idx="1">
-            <a:schemeClr val="lt1"/>
-          </a:fillRef>
-          <a:effectRef idx="0">
-            <a:schemeClr val="accent1"/>
-          </a:effectRef>
-          <a:fontRef idx="minor">
-            <a:schemeClr val="dk1"/>
-          </a:fontRef>
-        </p:style>
-        <p:txBody>
-          <a:bodyPr/>
-          <a:lstStyle/>
-          <a:p>
-            <a:pPr algn="ctr"/>
-            <a:fld id="{6389AA22-90B4-448C-8B6B-C699140D38B9}" type="slidenum">
-              <a:rPr lang="uk-UA" sz="2400" b="1">
-                <a:solidFill>
-                  <a:schemeClr val="bg1">
-                    <a:lumMod val="50000"/>
-                  </a:schemeClr>
-                </a:solidFill>
-              </a:rPr>
-              <a:pPr algn="ctr"/>
-              <a:t>25</a:t>
-            </a:fld>
-            <a:endParaRPr lang="uk-UA" sz="2400" b="1" dirty="0">
-              <a:solidFill>
-                <a:schemeClr val="bg1">
-                  <a:lumMod val="50000"/>
-                </a:schemeClr>
-              </a:solidFill>
-            </a:endParaRPr>
-          </a:p>
-        </p:txBody>
-      </p:sp>
-      <p:sp>
-        <p:nvSpPr>
-          <p:cNvPr id="58" name="Заголовок 1"/>
-          <p:cNvSpPr txBox="1">
-            <a:spLocks/>
-          </p:cNvSpPr>
-          <p:nvPr/>
-        </p:nvSpPr>
-        <p:spPr>
-          <a:xfrm>
-            <a:off x="0" y="260648"/>
-            <a:ext cx="12192000" cy="706090"/>
+            <a:off x="0" y="0"/>
+            <a:ext cx="12192000" cy="6858000"/>
           </a:xfrm>
           <a:prstGeom prst="rect">
             <a:avLst/>
           </a:prstGeom>
-        </p:spPr>
-        <p:txBody>
-          <a:bodyPr vert="horz" lIns="91440" tIns="45720" rIns="91440" bIns="45720" rtlCol="0" anchor="ctr">
-            <a:normAutofit fontScale="97500"/>
-          </a:bodyPr>
-          <a:lstStyle/>
-          <a:p>
-            <a:pPr algn="ctr">
-              <a:spcBef>
-                <a:spcPct val="0"/>
-              </a:spcBef>
-              <a:defRPr/>
-            </a:pPr>
-            <a:r>
-              <a:rPr lang="en-US" sz="3200" b="1" dirty="0">
-                <a:latin typeface="+mj-lt"/>
-                <a:ea typeface="+mj-ea"/>
-                <a:cs typeface="+mj-cs"/>
-              </a:rPr>
-              <a:t>DNS – </a:t>
-            </a:r>
-            <a:r>
-              <a:rPr lang="ru-RU" sz="3200" b="1" dirty="0">
-                <a:latin typeface="+mj-lt"/>
-                <a:ea typeface="+mj-ea"/>
-                <a:cs typeface="+mj-cs"/>
-              </a:rPr>
-              <a:t>всемирная «адресная книга»</a:t>
-            </a:r>
-            <a:endParaRPr lang="uk-UA" sz="3200" b="1" dirty="0">
-              <a:latin typeface="+mj-lt"/>
-              <a:ea typeface="+mj-ea"/>
-              <a:cs typeface="+mj-cs"/>
-            </a:endParaRPr>
-          </a:p>
-        </p:txBody>
-      </p:sp>
-      <p:sp>
-        <p:nvSpPr>
-          <p:cNvPr id="82" name="TextBox 81"/>
-          <p:cNvSpPr txBox="1"/>
-          <p:nvPr/>
-        </p:nvSpPr>
-        <p:spPr>
-          <a:xfrm>
-            <a:off x="3003992" y="4500409"/>
-            <a:ext cx="2504212" cy="584775"/>
-          </a:xfrm>
-          <a:prstGeom prst="rect">
-            <a:avLst/>
-          </a:prstGeom>
-          <a:noFill/>
-        </p:spPr>
-        <p:txBody>
-          <a:bodyPr wrap="none" rtlCol="0">
-            <a:spAutoFit/>
-          </a:bodyPr>
-          <a:lstStyle/>
-          <a:p>
-            <a:r>
-              <a:rPr lang="en-US" sz="3200" b="1" dirty="0"/>
-              <a:t>wikipedia.org</a:t>
-            </a:r>
-            <a:endParaRPr lang="uk-UA" sz="3200" b="1" dirty="0"/>
-          </a:p>
-        </p:txBody>
-      </p:sp>
-      <p:sp>
-        <p:nvSpPr>
-          <p:cNvPr id="84" name="Прямоугольник 83"/>
-          <p:cNvSpPr/>
-          <p:nvPr/>
-        </p:nvSpPr>
-        <p:spPr>
-          <a:xfrm>
-            <a:off x="6820419" y="4500409"/>
-            <a:ext cx="2803973" cy="584775"/>
-          </a:xfrm>
-          <a:prstGeom prst="rect">
-            <a:avLst/>
-          </a:prstGeom>
-        </p:spPr>
-        <p:txBody>
-          <a:bodyPr wrap="none">
-            <a:spAutoFit/>
-          </a:bodyPr>
-          <a:lstStyle/>
-          <a:p>
-            <a:r>
-              <a:rPr lang="en-US" sz="3200" b="1" dirty="0"/>
-              <a:t>91.198.174.192</a:t>
-            </a:r>
-            <a:endParaRPr lang="uk-UA" sz="3200" b="1" dirty="0"/>
-          </a:p>
-        </p:txBody>
-      </p:sp>
-      <p:sp>
-        <p:nvSpPr>
-          <p:cNvPr id="90" name="Стрелка вправо 89"/>
-          <p:cNvSpPr/>
-          <p:nvPr/>
-        </p:nvSpPr>
-        <p:spPr>
-          <a:xfrm>
-            <a:off x="5879976" y="4540765"/>
-            <a:ext cx="724416" cy="504056"/>
-          </a:xfrm>
-          <a:prstGeom prst="rightArrow">
-            <a:avLst/>
-          </a:prstGeom>
-          <a:noFill/>
-          <a:ln>
-            <a:solidFill>
-              <a:srgbClr val="00B0F0"/>
-            </a:solidFill>
-          </a:ln>
+          <a:solidFill>
+            <a:schemeClr val="tx2">
+              <a:lumMod val="75000"/>
+            </a:schemeClr>
+          </a:solidFill>
         </p:spPr>
         <p:style>
           <a:lnRef idx="2">
@@ -10755,170 +10867,18 @@
           <a:lstStyle/>
           <a:p>
             <a:pPr algn="ctr"/>
-            <a:endParaRPr lang="uk-UA" dirty="0"/>
-          </a:p>
-        </p:txBody>
-      </p:sp>
-      <p:sp>
-        <p:nvSpPr>
-          <p:cNvPr id="9" name="TextBox 8"/>
-          <p:cNvSpPr txBox="1"/>
-          <p:nvPr/>
-        </p:nvSpPr>
-        <p:spPr>
-          <a:xfrm>
-            <a:off x="0" y="1023119"/>
-            <a:ext cx="12191999" cy="461665"/>
-          </a:xfrm>
-          <a:prstGeom prst="rect">
-            <a:avLst/>
-          </a:prstGeom>
-          <a:noFill/>
-        </p:spPr>
-        <p:txBody>
-          <a:bodyPr wrap="square" rtlCol="0">
-            <a:spAutoFit/>
-          </a:bodyPr>
-          <a:lstStyle/>
-          <a:p>
-            <a:pPr algn="ctr"/>
-            <a:r>
-              <a:rPr lang="en-US" sz="2400" b="1" dirty="0"/>
-              <a:t>(Domain Name System</a:t>
-            </a:r>
-            <a:r>
-              <a:rPr lang="ru-RU" sz="2400" b="1" dirty="0"/>
-              <a:t> – Система Доменных Имён</a:t>
-            </a:r>
-            <a:r>
-              <a:rPr lang="en-US" sz="2400" b="1" dirty="0"/>
-              <a:t>) </a:t>
-            </a:r>
-            <a:endParaRPr lang="uk-UA" sz="2400" b="1" dirty="0"/>
-          </a:p>
-        </p:txBody>
-      </p:sp>
-      <p:pic>
-        <p:nvPicPr>
-          <p:cNvPr id="25602" name="Picture 2" descr="http://www.yellowpages.com.iq/img/yellow_page_pdf_btn.png"/>
-          <p:cNvPicPr>
-            <a:picLocks noChangeAspect="1" noChangeArrowheads="1"/>
-          </p:cNvPicPr>
-          <p:nvPr/>
-        </p:nvPicPr>
-        <p:blipFill>
-          <a:blip r:embed="rId2" cstate="print"/>
-          <a:srcRect/>
-          <a:stretch>
-            <a:fillRect/>
-          </a:stretch>
-        </p:blipFill>
-        <p:spPr bwMode="auto">
-          <a:xfrm>
-            <a:off x="2704728" y="1625055"/>
-            <a:ext cx="3319264" cy="2524025"/>
-          </a:xfrm>
-          <a:prstGeom prst="rect">
-            <a:avLst/>
-          </a:prstGeom>
-          <a:noFill/>
-        </p:spPr>
-      </p:pic>
-      <p:pic>
-        <p:nvPicPr>
-          <p:cNvPr id="25606" name="Picture 6" descr="http://nicksherman.com/articles/bellCentennial/inUse.jpg"/>
-          <p:cNvPicPr>
-            <a:picLocks noChangeAspect="1" noChangeArrowheads="1"/>
-          </p:cNvPicPr>
-          <p:nvPr/>
-        </p:nvPicPr>
-        <p:blipFill>
-          <a:blip r:embed="rId3" cstate="print"/>
-          <a:srcRect/>
-          <a:stretch>
-            <a:fillRect/>
-          </a:stretch>
-        </p:blipFill>
-        <p:spPr bwMode="auto">
-          <a:xfrm>
-            <a:off x="6528048" y="1625055"/>
-            <a:ext cx="3272880" cy="2454660"/>
-          </a:xfrm>
-          <a:prstGeom prst="rect">
-            <a:avLst/>
-          </a:prstGeom>
-          <a:ln>
-            <a:solidFill>
-              <a:srgbClr val="00B0F0"/>
-            </a:solidFill>
-          </a:ln>
-          <a:effectLst>
-            <a:outerShdw blurRad="292100" dist="139700" dir="2700000" algn="tl" rotWithShape="0">
-              <a:srgbClr val="333333">
-                <a:alpha val="65000"/>
-              </a:srgbClr>
-            </a:outerShdw>
-          </a:effectLst>
-        </p:spPr>
-      </p:pic>
-      <p:sp>
-        <p:nvSpPr>
-          <p:cNvPr id="2" name="Прямоугольник 1"/>
-          <p:cNvSpPr/>
-          <p:nvPr/>
-        </p:nvSpPr>
-        <p:spPr>
-          <a:xfrm>
-            <a:off x="1559496" y="5334307"/>
-            <a:ext cx="9289032" cy="830997"/>
-          </a:xfrm>
-          <a:prstGeom prst="rect">
-            <a:avLst/>
-          </a:prstGeom>
-        </p:spPr>
-        <p:txBody>
-          <a:bodyPr wrap="square">
-            <a:spAutoFit/>
-          </a:bodyPr>
-          <a:lstStyle/>
-          <a:p>
-            <a:pPr algn="ctr"/>
-            <a:r>
-              <a:rPr lang="ru-RU" sz="2400" dirty="0"/>
-              <a:t>Основная задача </a:t>
-            </a:r>
-            <a:r>
-              <a:rPr lang="en-US" sz="2400" b="1" dirty="0"/>
-              <a:t>DNS </a:t>
-            </a:r>
-            <a:r>
-              <a:rPr lang="ru-RU" sz="2400" dirty="0"/>
-              <a:t>сообщать </a:t>
-            </a:r>
-            <a:r>
-              <a:rPr lang="en-US" sz="2400" b="1" dirty="0"/>
-              <a:t>IP-</a:t>
-            </a:r>
-            <a:r>
-              <a:rPr lang="ru-RU" sz="2400" b="1" dirty="0"/>
-              <a:t>адрес </a:t>
-            </a:r>
-            <a:r>
-              <a:rPr lang="ru-RU" sz="2400" dirty="0"/>
-              <a:t>компьютера который скрывается под тем или иным доменным именем.</a:t>
-            </a:r>
-            <a:r>
-              <a:rPr lang="en-US" sz="2400" dirty="0"/>
-              <a:t> </a:t>
-            </a:r>
-            <a:endParaRPr lang="uk-UA" sz="2400" dirty="0"/>
+            <a:r>
+              <a:rPr lang="ru-RU" sz="6600" b="1" dirty="0"/>
+              <a:t>Будет полезным…</a:t>
+            </a:r>
+            <a:endParaRPr lang="uk-UA" sz="6600" b="1" dirty="0"/>
           </a:p>
         </p:txBody>
       </p:sp>
     </p:spTree>
     <p:extLst>
       <p:ext uri="{BB962C8B-B14F-4D97-AF65-F5344CB8AC3E}">
-        <p14:creationId xmlns:p14="http://schemas.microsoft.com/office/powerpoint/2010/main" val="1136467543"/>
+        <p14:creationId xmlns:p14="http://schemas.microsoft.com/office/powerpoint/2010/main" val="1831295201"/>
       </p:ext>
     </p:extLst>
   </p:cSld>
@@ -10947,42 +10907,7 @@
       </p:grpSpPr>
       <p:sp>
         <p:nvSpPr>
-          <p:cNvPr id="8" name="TextBox 7"/>
-          <p:cNvSpPr txBox="1"/>
-          <p:nvPr/>
-        </p:nvSpPr>
-        <p:spPr>
-          <a:xfrm>
-            <a:off x="2135560" y="404665"/>
-            <a:ext cx="7920880" cy="646331"/>
-          </a:xfrm>
-          <a:prstGeom prst="rect">
-            <a:avLst/>
-          </a:prstGeom>
-          <a:noFill/>
-        </p:spPr>
-        <p:txBody>
-          <a:bodyPr wrap="square" rtlCol="0">
-            <a:spAutoFit/>
-          </a:bodyPr>
-          <a:lstStyle/>
-          <a:p>
-            <a:pPr algn="ctr"/>
-            <a:r>
-              <a:rPr lang="en-US" sz="3600" b="1" dirty="0"/>
-              <a:t>NeoCities.org – </a:t>
-            </a:r>
-            <a:r>
-              <a:rPr lang="ru-RU" sz="3600" b="1" dirty="0"/>
-              <a:t>статический хостинг</a:t>
-            </a:r>
-            <a:endParaRPr lang="en-US" sz="3600" b="1" dirty="0"/>
-          </a:p>
-        </p:txBody>
-      </p:sp>
-      <p:sp>
-        <p:nvSpPr>
-          <p:cNvPr id="4" name="Номер слайда 36"/>
+          <p:cNvPr id="5" name="Номер слайда 36"/>
           <p:cNvSpPr txBox="1">
             <a:spLocks/>
           </p:cNvSpPr>
@@ -10990,7 +10915,7 @@
         </p:nvSpPr>
         <p:spPr>
           <a:xfrm>
-            <a:off x="11208568" y="6165304"/>
+            <a:off x="11280576" y="6192948"/>
             <a:ext cx="648072" cy="432048"/>
           </a:xfrm>
           <a:prstGeom prst="roundRect">
@@ -11052,14 +10977,14 @@
       </p:sp>
       <p:sp>
         <p:nvSpPr>
-          <p:cNvPr id="2" name="TextBox 1"/>
+          <p:cNvPr id="11" name="TextBox 10"/>
           <p:cNvSpPr txBox="1"/>
           <p:nvPr/>
         </p:nvSpPr>
         <p:spPr>
           <a:xfrm>
-            <a:off x="7104112" y="1340768"/>
-            <a:ext cx="3430646" cy="2554545"/>
+            <a:off x="3215680" y="4721055"/>
+            <a:ext cx="6122931" cy="1077218"/>
           </a:xfrm>
           <a:prstGeom prst="rect">
             <a:avLst/>
@@ -11072,60 +10997,96 @@
           </a:bodyPr>
           <a:lstStyle/>
           <a:p>
-            <a:r>
-              <a:rPr lang="ru-RU" sz="2000" b="1" dirty="0"/>
-              <a:t>Статический хостинг </a:t>
-            </a:r>
-            <a:r>
-              <a:rPr lang="ru-RU" sz="2000" dirty="0"/>
-              <a:t>– хостинг которых предлагает только размещение файлов сайта. Подходит для сайтов которым не нужны серверные инструменты (например: </a:t>
-            </a:r>
-            <a:r>
-              <a:rPr lang="en-US" sz="2000" dirty="0"/>
-              <a:t>PHP </a:t>
-            </a:r>
-            <a:r>
-              <a:rPr lang="ru-RU" sz="2000" dirty="0"/>
-              <a:t>сценарии, база данных и т.п.).</a:t>
-            </a:r>
-            <a:endParaRPr lang="uk-UA" sz="2000" dirty="0"/>
-          </a:p>
-        </p:txBody>
-      </p:sp>
-      <p:sp>
-        <p:nvSpPr>
-          <p:cNvPr id="3" name="Прямоугольник 2"/>
+            <a:pPr algn="ctr"/>
+            <a:r>
+              <a:rPr lang="ru-RU" sz="3200" i="1" dirty="0"/>
+              <a:t>Крупный фотобанк с </a:t>
+            </a:r>
+            <a:r>
+              <a:rPr lang="ru-RU" sz="3200" b="1" i="1" dirty="0"/>
+              <a:t>бесплатными</a:t>
+            </a:r>
+            <a:r>
+              <a:rPr lang="ru-RU" sz="3200" i="1" dirty="0"/>
+              <a:t> фотографиями </a:t>
+            </a:r>
+          </a:p>
+        </p:txBody>
+      </p:sp>
+      <p:sp>
+        <p:nvSpPr>
+          <p:cNvPr id="12" name="Прямоугольник 11"/>
           <p:cNvSpPr/>
           <p:nvPr/>
         </p:nvSpPr>
         <p:spPr>
           <a:xfrm>
-            <a:off x="2863676" y="4365104"/>
-            <a:ext cx="3448573" cy="523220"/>
+            <a:off x="3215681" y="5805264"/>
+            <a:ext cx="6122930" cy="646331"/>
           </a:xfrm>
           <a:prstGeom prst="rect">
             <a:avLst/>
           </a:prstGeom>
         </p:spPr>
         <p:txBody>
-          <a:bodyPr wrap="none">
+          <a:bodyPr wrap="square">
             <a:spAutoFit/>
           </a:bodyPr>
           <a:lstStyle/>
           <a:p>
-            <a:r>
-              <a:rPr lang="uk-UA" sz="2800" b="1" dirty="0">
+            <a:pPr algn="ctr"/>
+            <a:r>
+              <a:rPr lang="en-US" sz="3600" b="1" dirty="0">
                 <a:hlinkClick r:id="rId2"/>
               </a:rPr>
-              <a:t>https://neocities.org/</a:t>
-            </a:r>
-            <a:endParaRPr lang="uk-UA" sz="2800" b="1" dirty="0"/>
+              <a:t>https://unsplash.com/</a:t>
+            </a:r>
+            <a:endParaRPr lang="uk-UA" sz="3600" b="1" dirty="0"/>
+          </a:p>
+        </p:txBody>
+      </p:sp>
+      <p:sp>
+        <p:nvSpPr>
+          <p:cNvPr id="15" name="TextBox 14"/>
+          <p:cNvSpPr txBox="1"/>
+          <p:nvPr/>
+        </p:nvSpPr>
+        <p:spPr>
+          <a:xfrm>
+            <a:off x="0" y="332656"/>
+            <a:ext cx="12192000" cy="830997"/>
+          </a:xfrm>
+          <a:prstGeom prst="rect">
+            <a:avLst/>
+          </a:prstGeom>
+          <a:noFill/>
+        </p:spPr>
+        <p:txBody>
+          <a:bodyPr wrap="square" rtlCol="0">
+            <a:spAutoFit/>
+          </a:bodyPr>
+          <a:lstStyle/>
+          <a:p>
+            <a:pPr algn="ctr"/>
+            <a:r>
+              <a:rPr lang="ru-RU" sz="4800" b="1" dirty="0"/>
+              <a:t>Фотобанк</a:t>
+            </a:r>
+            <a:r>
+              <a:rPr lang="en-US" sz="4800" b="1" dirty="0"/>
+              <a:t>  </a:t>
+            </a:r>
+            <a:r>
+              <a:rPr lang="en-US" sz="4800" b="1" dirty="0" err="1"/>
+              <a:t>Unsplash</a:t>
+            </a:r>
+            <a:endParaRPr lang="uk-UA" sz="4800" b="1" dirty="0"/>
           </a:p>
         </p:txBody>
       </p:sp>
       <p:pic>
         <p:nvPicPr>
-          <p:cNvPr id="6" name="Рисунок 5"/>
+          <p:cNvPr id="2" name="Рисунок 1"/>
           <p:cNvPicPr>
             <a:picLocks noChangeAspect="1"/>
           </p:cNvPicPr>
@@ -11139,14 +11100,18 @@
         </p:blipFill>
         <p:spPr>
           <a:xfrm>
-            <a:off x="2405302" y="1253890"/>
-            <a:ext cx="4365323" cy="2895190"/>
+            <a:off x="3215680" y="1267599"/>
+            <a:ext cx="6122931" cy="3191510"/>
           </a:xfrm>
           <a:prstGeom prst="rect">
             <a:avLst/>
           </a:prstGeom>
           <a:ln>
-            <a:noFill/>
+            <a:solidFill>
+              <a:schemeClr val="bg1">
+                <a:lumMod val="75000"/>
+              </a:schemeClr>
+            </a:solidFill>
           </a:ln>
           <a:effectLst>
             <a:outerShdw blurRad="292100" dist="139700" dir="2700000" algn="tl" rotWithShape="0">
@@ -11157,61 +11122,10 @@
           </a:effectLst>
         </p:spPr>
       </p:pic>
-      <p:sp>
-        <p:nvSpPr>
-          <p:cNvPr id="5" name="TextBox 4"/>
-          <p:cNvSpPr txBox="1"/>
-          <p:nvPr/>
-        </p:nvSpPr>
-        <p:spPr>
-          <a:xfrm>
-            <a:off x="4799857" y="4941169"/>
-            <a:ext cx="5400599" cy="1015663"/>
-          </a:xfrm>
-          <a:prstGeom prst="rect">
-            <a:avLst/>
-          </a:prstGeom>
-          <a:noFill/>
-        </p:spPr>
-        <p:txBody>
-          <a:bodyPr wrap="square" rtlCol="0">
-            <a:spAutoFit/>
-          </a:bodyPr>
-          <a:lstStyle/>
-          <a:p>
-            <a:pPr algn="r"/>
-            <a:r>
-              <a:rPr lang="ru-RU" sz="2000" b="1" i="1" dirty="0"/>
-              <a:t>Примечание: </a:t>
-            </a:r>
-            <a:r>
-              <a:rPr lang="ru-RU" sz="2000" i="1" dirty="0"/>
-              <a:t>имя файла главной страницы должно быть </a:t>
-            </a:r>
-            <a:r>
-              <a:rPr lang="en-US" sz="2000" b="1" i="1" dirty="0">
-                <a:solidFill>
-                  <a:srgbClr val="FF0000"/>
-                </a:solidFill>
-              </a:rPr>
-              <a:t>index.html</a:t>
-            </a:r>
-            <a:r>
-              <a:rPr lang="en-US" sz="2000" i="1" dirty="0"/>
-              <a:t> </a:t>
-            </a:r>
-            <a:r>
-              <a:rPr lang="ru-RU" sz="2000" i="1" dirty="0"/>
-              <a:t>имена остальных страниц могут быть любыми.</a:t>
-            </a:r>
-            <a:endParaRPr lang="uk-UA" sz="2000" i="1" dirty="0"/>
-          </a:p>
-        </p:txBody>
-      </p:sp>
     </p:spTree>
     <p:extLst>
       <p:ext uri="{BB962C8B-B14F-4D97-AF65-F5344CB8AC3E}">
-        <p14:creationId xmlns:p14="http://schemas.microsoft.com/office/powerpoint/2010/main" val="2257134307"/>
+        <p14:creationId xmlns:p14="http://schemas.microsoft.com/office/powerpoint/2010/main" val="3874926999"/>
       </p:ext>
     </p:extLst>
   </p:cSld>
@@ -11240,57 +11154,215 @@
       </p:grpSpPr>
       <p:sp>
         <p:nvSpPr>
-          <p:cNvPr id="5" name="Прямоугольник 4"/>
-          <p:cNvSpPr/>
+          <p:cNvPr id="7" name="TextBox 6"/>
+          <p:cNvSpPr txBox="1"/>
           <p:nvPr/>
         </p:nvSpPr>
         <p:spPr>
           <a:xfrm>
-            <a:off x="0" y="0"/>
-            <a:ext cx="12192000" cy="6858000"/>
+            <a:off x="0" y="5944925"/>
+            <a:ext cx="12192000" cy="584775"/>
           </a:xfrm>
           <a:prstGeom prst="rect">
             <a:avLst/>
           </a:prstGeom>
-          <a:solidFill>
-            <a:schemeClr val="tx2">
-              <a:lumMod val="75000"/>
-            </a:schemeClr>
-          </a:solidFill>
+          <a:noFill/>
+        </p:spPr>
+        <p:txBody>
+          <a:bodyPr wrap="square" rtlCol="0">
+            <a:spAutoFit/>
+          </a:bodyPr>
+          <a:lstStyle/>
+          <a:p>
+            <a:pPr algn="ctr"/>
+            <a:r>
+              <a:rPr lang="en-US" sz="3200" b="1" u="sng" dirty="0">
+                <a:solidFill>
+                  <a:srgbClr val="3333CC"/>
+                </a:solidFill>
+                <a:hlinkClick r:id="rId2"/>
+              </a:rPr>
+              <a:t>https://html-css.co.ua/dovidnuk-html-tags/</a:t>
+            </a:r>
+            <a:endParaRPr lang="uk-UA" sz="3200" u="sng" dirty="0">
+              <a:solidFill>
+                <a:srgbClr val="3333CC"/>
+              </a:solidFill>
+            </a:endParaRPr>
+          </a:p>
+        </p:txBody>
+      </p:sp>
+      <p:sp>
+        <p:nvSpPr>
+          <p:cNvPr id="8" name="TextBox 7"/>
+          <p:cNvSpPr txBox="1"/>
+          <p:nvPr/>
+        </p:nvSpPr>
+        <p:spPr>
+          <a:xfrm>
+            <a:off x="0" y="251937"/>
+            <a:ext cx="12192000" cy="584775"/>
+          </a:xfrm>
+          <a:prstGeom prst="rect">
+            <a:avLst/>
+          </a:prstGeom>
+          <a:noFill/>
+        </p:spPr>
+        <p:txBody>
+          <a:bodyPr wrap="square" rtlCol="0">
+            <a:spAutoFit/>
+          </a:bodyPr>
+          <a:lstStyle/>
+          <a:p>
+            <a:pPr algn="ctr"/>
+            <a:r>
+              <a:rPr lang="ru-RU" sz="3200" b="1" dirty="0"/>
+              <a:t>Справочники по </a:t>
+            </a:r>
+            <a:r>
+              <a:rPr lang="en-US" sz="3200" b="1" dirty="0"/>
+              <a:t>HTML</a:t>
+            </a:r>
+          </a:p>
+        </p:txBody>
+      </p:sp>
+      <p:sp>
+        <p:nvSpPr>
+          <p:cNvPr id="4" name="Номер слайда 36"/>
+          <p:cNvSpPr txBox="1">
+            <a:spLocks/>
+          </p:cNvSpPr>
+          <p:nvPr/>
+        </p:nvSpPr>
+        <p:spPr>
+          <a:xfrm>
+            <a:off x="11136560" y="6100419"/>
+            <a:ext cx="648072" cy="432048"/>
+          </a:xfrm>
+          <a:prstGeom prst="roundRect">
+            <a:avLst/>
+          </a:prstGeom>
+          <a:ln w="25400" cap="flat" cmpd="sng" algn="ctr">
+            <a:solidFill>
+              <a:schemeClr val="tx2">
+                <a:lumMod val="60000"/>
+                <a:lumOff val="40000"/>
+              </a:schemeClr>
+            </a:solidFill>
+            <a:prstDash val="solid"/>
+          </a:ln>
         </p:spPr>
         <p:style>
           <a:lnRef idx="2">
-            <a:schemeClr val="accent1">
-              <a:shade val="50000"/>
-            </a:schemeClr>
+            <a:schemeClr val="accent1"/>
           </a:lnRef>
           <a:fillRef idx="1">
-            <a:schemeClr val="accent1"/>
+            <a:schemeClr val="lt1"/>
           </a:fillRef>
           <a:effectRef idx="0">
             <a:schemeClr val="accent1"/>
           </a:effectRef>
           <a:fontRef idx="minor">
-            <a:schemeClr val="lt1"/>
+            <a:schemeClr val="dk1"/>
           </a:fontRef>
         </p:style>
         <p:txBody>
-          <a:bodyPr rtlCol="0" anchor="ctr"/>
+          <a:bodyPr vert="horz" lIns="91440" tIns="45720" rIns="91440" bIns="45720" rtlCol="0" anchor="ctr"/>
+          <a:lstStyle/>
+          <a:p>
+            <a:pPr algn="ctr">
+              <a:defRPr/>
+            </a:pPr>
+            <a:fld id="{6389AA22-90B4-448C-8B6B-C699140D38B9}" type="slidenum">
+              <a:rPr lang="uk-UA" sz="2400" b="1">
+                <a:solidFill>
+                  <a:schemeClr val="bg1">
+                    <a:lumMod val="50000"/>
+                  </a:schemeClr>
+                </a:solidFill>
+              </a:rPr>
+              <a:pPr algn="ctr">
+                <a:defRPr/>
+              </a:pPr>
+              <a:t>27</a:t>
+            </a:fld>
+            <a:endParaRPr lang="uk-UA" sz="2400" b="1" dirty="0">
+              <a:solidFill>
+                <a:schemeClr val="bg1">
+                  <a:lumMod val="50000"/>
+                </a:schemeClr>
+              </a:solidFill>
+            </a:endParaRPr>
+          </a:p>
+        </p:txBody>
+      </p:sp>
+      <p:pic>
+        <p:nvPicPr>
+          <p:cNvPr id="2" name="Рисунок 1"/>
+          <p:cNvPicPr>
+            <a:picLocks noChangeAspect="1"/>
+          </p:cNvPicPr>
+          <p:nvPr/>
+        </p:nvPicPr>
+        <p:blipFill>
+          <a:blip r:embed="rId3"/>
+          <a:stretch>
+            <a:fillRect/>
+          </a:stretch>
+        </p:blipFill>
+        <p:spPr>
+          <a:xfrm>
+            <a:off x="2878784" y="1075882"/>
+            <a:ext cx="6434432" cy="3939294"/>
+          </a:xfrm>
+          <a:prstGeom prst="rect">
+            <a:avLst/>
+          </a:prstGeom>
+        </p:spPr>
+      </p:pic>
+      <p:sp>
+        <p:nvSpPr>
+          <p:cNvPr id="9" name="TextBox 8">
+            <a:extLst>
+              <a:ext uri="{FF2B5EF4-FFF2-40B4-BE49-F238E27FC236}">
+                <a16:creationId xmlns:a16="http://schemas.microsoft.com/office/drawing/2014/main" id="{5299C90D-AC5D-D642-A49A-283196750356}"/>
+              </a:ext>
+            </a:extLst>
+          </p:cNvPr>
+          <p:cNvSpPr txBox="1"/>
+          <p:nvPr/>
+        </p:nvSpPr>
+        <p:spPr>
+          <a:xfrm>
+            <a:off x="0" y="5301208"/>
+            <a:ext cx="12192000" cy="584775"/>
+          </a:xfrm>
+          <a:prstGeom prst="rect">
+            <a:avLst/>
+          </a:prstGeom>
+          <a:noFill/>
+        </p:spPr>
+        <p:txBody>
+          <a:bodyPr wrap="square">
+            <a:spAutoFit/>
+          </a:bodyPr>
           <a:lstStyle/>
           <a:p>
             <a:pPr algn="ctr"/>
             <a:r>
-              <a:rPr lang="ru-RU" sz="6600" b="1" dirty="0"/>
-              <a:t>Будет полезным…</a:t>
-            </a:r>
-            <a:endParaRPr lang="uk-UA" sz="6600" b="1" dirty="0"/>
+              <a:rPr lang="uk-UA" sz="3200" b="1" dirty="0">
+                <a:hlinkClick r:id="rId4"/>
+              </a:rPr>
+              <a:t>https://css.in.ua/html/tags</a:t>
+            </a:r>
+            <a:endParaRPr lang="uk-UA" sz="3200" b="1" dirty="0"/>
           </a:p>
         </p:txBody>
       </p:sp>
     </p:spTree>
     <p:extLst>
       <p:ext uri="{BB962C8B-B14F-4D97-AF65-F5344CB8AC3E}">
-        <p14:creationId xmlns:p14="http://schemas.microsoft.com/office/powerpoint/2010/main" val="1831295201"/>
+        <p14:creationId xmlns:p14="http://schemas.microsoft.com/office/powerpoint/2010/main" val="2134033093"/>
       </p:ext>
     </p:extLst>
   </p:cSld>
@@ -11319,225 +11391,57 @@
       </p:grpSpPr>
       <p:sp>
         <p:nvSpPr>
-          <p:cNvPr id="5" name="Номер слайда 36"/>
-          <p:cNvSpPr txBox="1">
-            <a:spLocks/>
-          </p:cNvSpPr>
+          <p:cNvPr id="5" name="Прямоугольник 4"/>
+          <p:cNvSpPr/>
           <p:nvPr/>
         </p:nvSpPr>
         <p:spPr>
           <a:xfrm>
-            <a:off x="11280576" y="6192948"/>
-            <a:ext cx="648072" cy="432048"/>
-          </a:xfrm>
-          <a:prstGeom prst="roundRect">
+            <a:off x="0" y="0"/>
+            <a:ext cx="12192000" cy="6858000"/>
+          </a:xfrm>
+          <a:prstGeom prst="rect">
             <a:avLst/>
           </a:prstGeom>
-          <a:ln w="25400" cap="flat" cmpd="sng" algn="ctr">
-            <a:solidFill>
-              <a:schemeClr val="tx2">
-                <a:lumMod val="60000"/>
-                <a:lumOff val="40000"/>
-              </a:schemeClr>
-            </a:solidFill>
-            <a:prstDash val="solid"/>
-          </a:ln>
+          <a:solidFill>
+            <a:schemeClr val="tx2">
+              <a:lumMod val="75000"/>
+            </a:schemeClr>
+          </a:solidFill>
         </p:spPr>
         <p:style>
           <a:lnRef idx="2">
-            <a:schemeClr val="accent1"/>
+            <a:schemeClr val="accent1">
+              <a:shade val="50000"/>
+            </a:schemeClr>
           </a:lnRef>
           <a:fillRef idx="1">
-            <a:schemeClr val="lt1"/>
+            <a:schemeClr val="accent1"/>
           </a:fillRef>
           <a:effectRef idx="0">
             <a:schemeClr val="accent1"/>
           </a:effectRef>
           <a:fontRef idx="minor">
-            <a:schemeClr val="dk1"/>
+            <a:schemeClr val="lt1"/>
           </a:fontRef>
         </p:style>
         <p:txBody>
-          <a:bodyPr vert="horz" lIns="91440" tIns="45720" rIns="91440" bIns="45720" rtlCol="0" anchor="ctr"/>
-          <a:lstStyle/>
-          <a:p>
-            <a:pPr algn="ctr">
-              <a:defRPr/>
-            </a:pPr>
-            <a:fld id="{6389AA22-90B4-448C-8B6B-C699140D38B9}" type="slidenum">
-              <a:rPr lang="uk-UA" sz="2400" b="1">
-                <a:solidFill>
-                  <a:schemeClr val="bg1">
-                    <a:lumMod val="50000"/>
-                  </a:schemeClr>
-                </a:solidFill>
-              </a:rPr>
-              <a:pPr algn="ctr">
-                <a:defRPr/>
-              </a:pPr>
-              <a:t>28</a:t>
-            </a:fld>
-            <a:endParaRPr lang="uk-UA" sz="2400" b="1" dirty="0">
-              <a:solidFill>
-                <a:schemeClr val="bg1">
-                  <a:lumMod val="50000"/>
-                </a:schemeClr>
-              </a:solidFill>
-            </a:endParaRPr>
-          </a:p>
-        </p:txBody>
-      </p:sp>
-      <p:sp>
-        <p:nvSpPr>
-          <p:cNvPr id="11" name="TextBox 10"/>
-          <p:cNvSpPr txBox="1"/>
-          <p:nvPr/>
-        </p:nvSpPr>
-        <p:spPr>
-          <a:xfrm>
-            <a:off x="3215680" y="4721055"/>
-            <a:ext cx="6122931" cy="1077218"/>
-          </a:xfrm>
-          <a:prstGeom prst="rect">
-            <a:avLst/>
-          </a:prstGeom>
-          <a:noFill/>
-        </p:spPr>
-        <p:txBody>
-          <a:bodyPr wrap="square" rtlCol="0">
-            <a:spAutoFit/>
-          </a:bodyPr>
+          <a:bodyPr rtlCol="0" anchor="ctr"/>
           <a:lstStyle/>
           <a:p>
             <a:pPr algn="ctr"/>
             <a:r>
-              <a:rPr lang="ru-RU" sz="3200" i="1" dirty="0"/>
-              <a:t>Крупный фотобанк с </a:t>
-            </a:r>
-            <a:r>
-              <a:rPr lang="ru-RU" sz="3200" b="1" i="1" dirty="0"/>
-              <a:t>бесплатными</a:t>
-            </a:r>
-            <a:r>
-              <a:rPr lang="ru-RU" sz="3200" i="1" dirty="0"/>
-              <a:t> фотографиями </a:t>
-            </a:r>
-          </a:p>
-        </p:txBody>
-      </p:sp>
-      <p:sp>
-        <p:nvSpPr>
-          <p:cNvPr id="12" name="Прямоугольник 11"/>
-          <p:cNvSpPr/>
-          <p:nvPr/>
-        </p:nvSpPr>
-        <p:spPr>
-          <a:xfrm>
-            <a:off x="3215681" y="5805264"/>
-            <a:ext cx="6122930" cy="646331"/>
-          </a:xfrm>
-          <a:prstGeom prst="rect">
-            <a:avLst/>
-          </a:prstGeom>
-        </p:spPr>
-        <p:txBody>
-          <a:bodyPr wrap="square">
-            <a:spAutoFit/>
-          </a:bodyPr>
-          <a:lstStyle/>
-          <a:p>
-            <a:pPr algn="ctr"/>
-            <a:r>
-              <a:rPr lang="en-US" sz="3600" b="1" dirty="0">
-                <a:hlinkClick r:id="rId2"/>
-              </a:rPr>
-              <a:t>https://unsplash.com/</a:t>
-            </a:r>
-            <a:endParaRPr lang="uk-UA" sz="3600" b="1" dirty="0"/>
-          </a:p>
-        </p:txBody>
-      </p:sp>
-      <p:sp>
-        <p:nvSpPr>
-          <p:cNvPr id="15" name="TextBox 14"/>
-          <p:cNvSpPr txBox="1"/>
-          <p:nvPr/>
-        </p:nvSpPr>
-        <p:spPr>
-          <a:xfrm>
-            <a:off x="0" y="332656"/>
-            <a:ext cx="12192000" cy="830997"/>
-          </a:xfrm>
-          <a:prstGeom prst="rect">
-            <a:avLst/>
-          </a:prstGeom>
-          <a:noFill/>
-        </p:spPr>
-        <p:txBody>
-          <a:bodyPr wrap="square" rtlCol="0">
-            <a:spAutoFit/>
-          </a:bodyPr>
-          <a:lstStyle/>
-          <a:p>
-            <a:pPr algn="ctr"/>
-            <a:r>
-              <a:rPr lang="ru-RU" sz="4800" b="1" dirty="0"/>
-              <a:t>Фотобанк</a:t>
-            </a:r>
-            <a:r>
-              <a:rPr lang="en-US" sz="4800" b="1" dirty="0"/>
-              <a:t>  </a:t>
-            </a:r>
-            <a:r>
-              <a:rPr lang="en-US" sz="4800" b="1" dirty="0" err="1"/>
-              <a:t>Unsplash</a:t>
-            </a:r>
-            <a:endParaRPr lang="uk-UA" sz="4800" b="1" dirty="0"/>
-          </a:p>
-        </p:txBody>
-      </p:sp>
-      <p:pic>
-        <p:nvPicPr>
-          <p:cNvPr id="2" name="Рисунок 1"/>
-          <p:cNvPicPr>
-            <a:picLocks noChangeAspect="1"/>
-          </p:cNvPicPr>
-          <p:nvPr/>
-        </p:nvPicPr>
-        <p:blipFill>
-          <a:blip r:embed="rId3"/>
-          <a:stretch>
-            <a:fillRect/>
-          </a:stretch>
-        </p:blipFill>
-        <p:spPr>
-          <a:xfrm>
-            <a:off x="3215680" y="1267599"/>
-            <a:ext cx="6122931" cy="3191510"/>
-          </a:xfrm>
-          <a:prstGeom prst="rect">
-            <a:avLst/>
-          </a:prstGeom>
-          <a:ln>
-            <a:solidFill>
-              <a:schemeClr val="bg1">
-                <a:lumMod val="75000"/>
-              </a:schemeClr>
-            </a:solidFill>
-          </a:ln>
-          <a:effectLst>
-            <a:outerShdw blurRad="292100" dist="139700" dir="2700000" algn="tl" rotWithShape="0">
-              <a:srgbClr val="333333">
-                <a:alpha val="65000"/>
-              </a:srgbClr>
-            </a:outerShdw>
-          </a:effectLst>
-        </p:spPr>
-      </p:pic>
+              <a:rPr lang="ru-RU" sz="6600" b="1" dirty="0"/>
+              <a:t>Домашнее задание</a:t>
+            </a:r>
+            <a:endParaRPr lang="uk-UA" sz="6600" b="1" dirty="0"/>
+          </a:p>
+        </p:txBody>
+      </p:sp>
     </p:spTree>
     <p:extLst>
       <p:ext uri="{BB962C8B-B14F-4D97-AF65-F5344CB8AC3E}">
-        <p14:creationId xmlns:p14="http://schemas.microsoft.com/office/powerpoint/2010/main" val="3874926999"/>
+        <p14:creationId xmlns:p14="http://schemas.microsoft.com/office/powerpoint/2010/main" val="2457138395"/>
       </p:ext>
     </p:extLst>
   </p:cSld>
@@ -11566,19 +11470,61 @@
       </p:grpSpPr>
       <p:sp>
         <p:nvSpPr>
-          <p:cNvPr id="7" name="TextBox 6"/>
-          <p:cNvSpPr txBox="1"/>
+          <p:cNvPr id="3" name="Прямоугольник 2"/>
+          <p:cNvSpPr/>
           <p:nvPr/>
         </p:nvSpPr>
         <p:spPr>
           <a:xfrm>
-            <a:off x="0" y="5944925"/>
-            <a:ext cx="12192000" cy="584775"/>
+            <a:off x="5328592" y="404664"/>
+            <a:ext cx="6863408" cy="769441"/>
           </a:xfrm>
           <a:prstGeom prst="rect">
             <a:avLst/>
           </a:prstGeom>
-          <a:noFill/>
+        </p:spPr>
+        <p:txBody>
+          <a:bodyPr wrap="square">
+            <a:spAutoFit/>
+          </a:bodyPr>
+          <a:lstStyle/>
+          <a:p>
+            <a:pPr algn="ctr"/>
+            <a:r>
+              <a:rPr lang="ru-RU" sz="4400" b="1" dirty="0"/>
+              <a:t>Домашнее задание</a:t>
+            </a:r>
+            <a:endParaRPr lang="ru-RU" sz="4400" i="1" dirty="0"/>
+          </a:p>
+        </p:txBody>
+      </p:sp>
+      <p:sp>
+        <p:nvSpPr>
+          <p:cNvPr id="2" name="TextBox 1"/>
+          <p:cNvSpPr txBox="1"/>
+          <p:nvPr/>
+        </p:nvSpPr>
+        <p:spPr>
+          <a:xfrm>
+            <a:off x="6240016" y="3380799"/>
+            <a:ext cx="5400600" cy="1200329"/>
+          </a:xfrm>
+          <a:prstGeom prst="rect">
+            <a:avLst/>
+          </a:prstGeom>
+          <a:solidFill>
+            <a:schemeClr val="accent6">
+              <a:lumMod val="20000"/>
+              <a:lumOff val="80000"/>
+            </a:schemeClr>
+          </a:solidFill>
+          <a:ln w="19050">
+            <a:solidFill>
+              <a:schemeClr val="accent6">
+                <a:lumMod val="75000"/>
+              </a:schemeClr>
+            </a:solidFill>
+          </a:ln>
         </p:spPr>
         <p:txBody>
           <a:bodyPr wrap="square" rtlCol="0">
@@ -11586,168 +11532,111 @@
           </a:bodyPr>
           <a:lstStyle/>
           <a:p>
-            <a:pPr algn="ctr"/>
-            <a:r>
-              <a:rPr lang="en-US" sz="3200" b="1" u="sng" dirty="0">
-                <a:solidFill>
-                  <a:srgbClr val="3333CC"/>
-                </a:solidFill>
-                <a:hlinkClick r:id="rId2"/>
-              </a:rPr>
-              <a:t>https://html-css.co.ua/dovidnuk-html-tags/</a:t>
-            </a:r>
-            <a:endParaRPr lang="uk-UA" sz="3200" u="sng" dirty="0">
-              <a:solidFill>
-                <a:srgbClr val="3333CC"/>
-              </a:solidFill>
-            </a:endParaRPr>
-          </a:p>
-        </p:txBody>
-      </p:sp>
-      <p:sp>
-        <p:nvSpPr>
-          <p:cNvPr id="8" name="TextBox 7"/>
-          <p:cNvSpPr txBox="1"/>
-          <p:nvPr/>
-        </p:nvSpPr>
-        <p:spPr>
-          <a:xfrm>
-            <a:off x="0" y="251937"/>
-            <a:ext cx="12192000" cy="584775"/>
-          </a:xfrm>
-          <a:prstGeom prst="rect">
-            <a:avLst/>
-          </a:prstGeom>
-          <a:noFill/>
-        </p:spPr>
-        <p:txBody>
-          <a:bodyPr wrap="square" rtlCol="0">
-            <a:spAutoFit/>
-          </a:bodyPr>
-          <a:lstStyle/>
-          <a:p>
-            <a:pPr algn="ctr"/>
-            <a:r>
-              <a:rPr lang="ru-RU" sz="3200" b="1" dirty="0"/>
-              <a:t>Справочники по </a:t>
-            </a:r>
-            <a:r>
-              <a:rPr lang="en-US" sz="3200" b="1" dirty="0"/>
-              <a:t>HTML</a:t>
-            </a:r>
-          </a:p>
-        </p:txBody>
-      </p:sp>
-      <p:sp>
-        <p:nvSpPr>
-          <p:cNvPr id="4" name="Номер слайда 36"/>
-          <p:cNvSpPr txBox="1">
-            <a:spLocks/>
-          </p:cNvSpPr>
-          <p:nvPr/>
-        </p:nvSpPr>
-        <p:spPr>
-          <a:xfrm>
-            <a:off x="11136560" y="6100419"/>
-            <a:ext cx="648072" cy="432048"/>
-          </a:xfrm>
-          <a:prstGeom prst="roundRect">
-            <a:avLst/>
-          </a:prstGeom>
-          <a:ln w="25400" cap="flat" cmpd="sng" algn="ctr">
-            <a:solidFill>
-              <a:schemeClr val="tx2">
-                <a:lumMod val="60000"/>
-                <a:lumOff val="40000"/>
-              </a:schemeClr>
-            </a:solidFill>
-            <a:prstDash val="solid"/>
-          </a:ln>
-        </p:spPr>
-        <p:style>
-          <a:lnRef idx="2">
-            <a:schemeClr val="accent1"/>
-          </a:lnRef>
-          <a:fillRef idx="1">
-            <a:schemeClr val="lt1"/>
-          </a:fillRef>
-          <a:effectRef idx="0">
-            <a:schemeClr val="accent1"/>
-          </a:effectRef>
-          <a:fontRef idx="minor">
-            <a:schemeClr val="dk1"/>
-          </a:fontRef>
-        </p:style>
-        <p:txBody>
-          <a:bodyPr vert="horz" lIns="91440" tIns="45720" rIns="91440" bIns="45720" rtlCol="0" anchor="ctr"/>
-          <a:lstStyle/>
-          <a:p>
-            <a:pPr algn="ctr">
-              <a:defRPr/>
-            </a:pPr>
-            <a:fld id="{6389AA22-90B4-448C-8B6B-C699140D38B9}" type="slidenum">
-              <a:rPr lang="uk-UA" sz="2400" b="1">
-                <a:solidFill>
-                  <a:schemeClr val="bg1">
-                    <a:lumMod val="50000"/>
-                  </a:schemeClr>
-                </a:solidFill>
-              </a:rPr>
-              <a:pPr algn="ctr">
-                <a:defRPr/>
-              </a:pPr>
-              <a:t>29</a:t>
-            </a:fld>
-            <a:endParaRPr lang="uk-UA" sz="2400" b="1" dirty="0">
-              <a:solidFill>
-                <a:schemeClr val="bg1">
-                  <a:lumMod val="50000"/>
-                </a:schemeClr>
-              </a:solidFill>
-            </a:endParaRPr>
+            <a:r>
+              <a:rPr lang="en-US" sz="2400" b="1" dirty="0"/>
+              <a:t>Lorem ipsum </a:t>
+            </a:r>
+            <a:r>
+              <a:rPr lang="en-US" sz="2400" dirty="0"/>
+              <a:t>–</a:t>
+            </a:r>
+            <a:r>
+              <a:rPr lang="uk-UA" sz="2400" dirty="0"/>
+              <a:t> генератор </a:t>
+            </a:r>
+            <a:r>
+              <a:rPr lang="ru-RU" sz="2400" dirty="0"/>
+              <a:t>текста</a:t>
+            </a:r>
+            <a:r>
+              <a:rPr lang="uk-UA" sz="2400" dirty="0"/>
+              <a:t> вам </a:t>
+            </a:r>
+            <a:r>
+              <a:rPr lang="ru-RU" sz="2400" dirty="0"/>
+              <a:t>поможет</a:t>
+            </a:r>
+            <a:r>
+              <a:rPr lang="uk-UA" sz="2400" dirty="0"/>
+              <a:t>. </a:t>
+            </a:r>
+            <a:r>
+              <a:rPr lang="en-US" sz="2400" dirty="0"/>
+              <a:t> </a:t>
+            </a:r>
+            <a:r>
+              <a:rPr lang="uk-UA" sz="2400" dirty="0"/>
+              <a:t>Команда </a:t>
+            </a:r>
+            <a:r>
+              <a:rPr lang="en-US" sz="2400" b="1" dirty="0">
+                <a:solidFill>
+                  <a:srgbClr val="00B050"/>
+                </a:solidFill>
+                <a:latin typeface="Courier New" panose="02070309020205020404" pitchFamily="49" charset="0"/>
+                <a:cs typeface="Courier New" panose="02070309020205020404" pitchFamily="49" charset="0"/>
+              </a:rPr>
+              <a:t>lorem100</a:t>
+            </a:r>
+            <a:r>
+              <a:rPr lang="en-US" sz="2400" dirty="0"/>
+              <a:t> </a:t>
+            </a:r>
+            <a:r>
+              <a:rPr lang="uk-UA" sz="2400" dirty="0"/>
+              <a:t>в </a:t>
+            </a:r>
+            <a:r>
+              <a:rPr lang="en-US" sz="2400" b="1" dirty="0"/>
+              <a:t>Visual Studio Code</a:t>
+            </a:r>
+            <a:endParaRPr lang="ru-RU" sz="2400" b="1" dirty="0"/>
           </a:p>
         </p:txBody>
       </p:sp>
       <p:pic>
         <p:nvPicPr>
-          <p:cNvPr id="2" name="Рисунок 1"/>
+          <p:cNvPr id="9" name="Рисунок 8"/>
           <p:cNvPicPr>
             <a:picLocks noChangeAspect="1"/>
           </p:cNvPicPr>
           <p:nvPr/>
         </p:nvPicPr>
-        <p:blipFill>
-          <a:blip r:embed="rId3"/>
-          <a:stretch>
-            <a:fillRect/>
-          </a:stretch>
+        <p:blipFill rotWithShape="1">
+          <a:blip r:embed="rId2"/>
+          <a:srcRect l="8575" r="8544"/>
+          <a:stretch/>
         </p:blipFill>
         <p:spPr>
           <a:xfrm>
-            <a:off x="2878784" y="1075882"/>
-            <a:ext cx="6434432" cy="3939294"/>
+            <a:off x="0" y="0"/>
+            <a:ext cx="5328592" cy="6875007"/>
           </a:xfrm>
           <a:prstGeom prst="rect">
             <a:avLst/>
           </a:prstGeom>
+          <a:ln>
+            <a:noFill/>
+          </a:ln>
+          <a:effectLst>
+            <a:outerShdw blurRad="292100" dist="139700" dir="2700000" algn="tl" rotWithShape="0">
+              <a:srgbClr val="333333">
+                <a:alpha val="65000"/>
+              </a:srgbClr>
+            </a:outerShdw>
+          </a:effectLst>
         </p:spPr>
       </p:pic>
       <p:sp>
         <p:nvSpPr>
-          <p:cNvPr id="9" name="TextBox 8">
-            <a:extLst>
-              <a:ext uri="{FF2B5EF4-FFF2-40B4-BE49-F238E27FC236}">
-                <a16:creationId xmlns:a16="http://schemas.microsoft.com/office/drawing/2014/main" id="{5299C90D-AC5D-D642-A49A-283196750356}"/>
-              </a:ext>
-            </a:extLst>
-          </p:cNvPr>
+          <p:cNvPr id="10" name="TextBox 9"/>
           <p:cNvSpPr txBox="1"/>
           <p:nvPr/>
         </p:nvSpPr>
         <p:spPr>
           <a:xfrm>
-            <a:off x="0" y="5301208"/>
-            <a:ext cx="12192000" cy="584775"/>
+            <a:off x="6273924" y="1412776"/>
+            <a:ext cx="5150668" cy="1569660"/>
           </a:xfrm>
           <a:prstGeom prst="rect">
             <a:avLst/>
@@ -11755,26 +11644,169 @@
           <a:noFill/>
         </p:spPr>
         <p:txBody>
-          <a:bodyPr wrap="square">
+          <a:bodyPr wrap="square" rtlCol="0">
             <a:spAutoFit/>
           </a:bodyPr>
           <a:lstStyle/>
           <a:p>
-            <a:pPr algn="ctr"/>
-            <a:r>
-              <a:rPr lang="uk-UA" sz="3200" b="1" dirty="0">
-                <a:hlinkClick r:id="rId4"/>
-              </a:rPr>
-              <a:t>https://css.in.ua/html/tags</a:t>
-            </a:r>
-            <a:endParaRPr lang="uk-UA" sz="3200" b="1" dirty="0"/>
+            <a:r>
+              <a:rPr lang="ru-RU" sz="2400" dirty="0"/>
+              <a:t>Создайте</a:t>
+            </a:r>
+            <a:r>
+              <a:rPr lang="uk-UA" sz="2400" dirty="0"/>
+              <a:t> </a:t>
+            </a:r>
+            <a:r>
+              <a:rPr lang="en-US" sz="2400" b="1" dirty="0"/>
+              <a:t>HTML</a:t>
+            </a:r>
+            <a:r>
+              <a:rPr lang="uk-UA" sz="2400" b="1" dirty="0"/>
+              <a:t>-документ</a:t>
+            </a:r>
+            <a:r>
+              <a:rPr lang="uk-UA" sz="2400" dirty="0"/>
+              <a:t>, и </a:t>
+            </a:r>
+            <a:r>
+              <a:rPr lang="ru-RU" sz="2400" dirty="0"/>
+              <a:t>под</a:t>
+            </a:r>
+            <a:r>
+              <a:rPr lang="uk-UA" sz="2400" dirty="0"/>
+              <a:t> </a:t>
+            </a:r>
+            <a:r>
+              <a:rPr lang="ru-RU" sz="2400" dirty="0"/>
+              <a:t>именем</a:t>
+            </a:r>
+            <a:r>
+              <a:rPr lang="uk-UA" sz="2400" dirty="0"/>
+              <a:t> </a:t>
+            </a:r>
+            <a:r>
+              <a:rPr lang="en-US" sz="2400" b="1" dirty="0">
+                <a:solidFill>
+                  <a:srgbClr val="0070C0"/>
+                </a:solidFill>
+                <a:latin typeface="Courier New" panose="02070309020205020404" pitchFamily="49" charset="0"/>
+                <a:cs typeface="Courier New" panose="02070309020205020404" pitchFamily="49" charset="0"/>
+              </a:rPr>
+              <a:t>index.html</a:t>
+            </a:r>
+            <a:r>
+              <a:rPr lang="uk-UA" sz="2400" b="1" dirty="0">
+                <a:solidFill>
+                  <a:srgbClr val="0070C0"/>
+                </a:solidFill>
+                <a:latin typeface="Courier New" panose="02070309020205020404" pitchFamily="49" charset="0"/>
+                <a:cs typeface="Courier New" panose="02070309020205020404" pitchFamily="49" charset="0"/>
+              </a:rPr>
+              <a:t> </a:t>
+            </a:r>
+            <a:r>
+              <a:rPr lang="ru-RU" sz="2400" dirty="0">
+                <a:latin typeface="+mj-lt"/>
+                <a:cs typeface="Courier New" panose="02070309020205020404" pitchFamily="49" charset="0"/>
+              </a:rPr>
+              <a:t>выгрузите его на хостинг. Ссылку на </a:t>
+            </a:r>
+            <a:r>
+              <a:rPr lang="ru-RU" sz="2400" b="1" dirty="0">
+                <a:latin typeface="+mj-lt"/>
+                <a:cs typeface="Courier New" panose="02070309020205020404" pitchFamily="49" charset="0"/>
+              </a:rPr>
+              <a:t>ваш хостинг </a:t>
+            </a:r>
+            <a:r>
+              <a:rPr lang="ru-RU" sz="2400" dirty="0">
+                <a:latin typeface="+mj-lt"/>
+                <a:cs typeface="Courier New" panose="02070309020205020404" pitchFamily="49" charset="0"/>
+              </a:rPr>
+              <a:t>сбрасывайте в группу в телеграмме.</a:t>
+            </a:r>
+            <a:endParaRPr lang="ru-RU" sz="2400" dirty="0">
+              <a:latin typeface="Courier New" panose="02070309020205020404" pitchFamily="49" charset="0"/>
+              <a:cs typeface="Courier New" panose="02070309020205020404" pitchFamily="49" charset="0"/>
+            </a:endParaRPr>
+          </a:p>
+        </p:txBody>
+      </p:sp>
+      <p:sp>
+        <p:nvSpPr>
+          <p:cNvPr id="11" name="TextBox 10"/>
+          <p:cNvSpPr txBox="1"/>
+          <p:nvPr/>
+        </p:nvSpPr>
+        <p:spPr>
+          <a:xfrm>
+            <a:off x="6240016" y="4892967"/>
+            <a:ext cx="5400600" cy="1446550"/>
+          </a:xfrm>
+          <a:prstGeom prst="rect">
+            <a:avLst/>
+          </a:prstGeom>
+          <a:solidFill>
+            <a:schemeClr val="accent3">
+              <a:lumMod val="20000"/>
+              <a:lumOff val="80000"/>
+            </a:schemeClr>
+          </a:solidFill>
+          <a:ln w="19050">
+            <a:solidFill>
+              <a:srgbClr val="00B050"/>
+            </a:solidFill>
+          </a:ln>
+        </p:spPr>
+        <p:txBody>
+          <a:bodyPr wrap="square" rtlCol="0">
+            <a:spAutoFit/>
+          </a:bodyPr>
+          <a:lstStyle/>
+          <a:p>
+            <a:r>
+              <a:rPr lang="ru-RU" sz="2400" dirty="0"/>
+              <a:t>Как встроить </a:t>
+            </a:r>
+            <a:r>
+              <a:rPr lang="en-US" sz="2400" b="1" dirty="0" err="1"/>
+              <a:t>youtube</a:t>
+            </a:r>
+            <a:r>
+              <a:rPr lang="uk-UA" sz="2400" dirty="0"/>
+              <a:t>-</a:t>
+            </a:r>
+            <a:r>
+              <a:rPr lang="uk-UA" sz="2400" dirty="0" err="1"/>
+              <a:t>плеер</a:t>
+            </a:r>
+            <a:r>
+              <a:rPr lang="uk-UA" sz="2400" dirty="0"/>
+              <a:t> на свою </a:t>
+            </a:r>
+            <a:r>
+              <a:rPr lang="ru-RU" sz="2400" dirty="0"/>
+              <a:t>страницу</a:t>
+            </a:r>
+            <a:r>
+              <a:rPr lang="uk-UA" sz="2400" dirty="0"/>
+              <a:t>: </a:t>
+            </a:r>
+            <a:r>
+              <a:rPr lang="en-US" sz="2000" b="1" dirty="0">
+                <a:hlinkClick r:id="rId3"/>
+              </a:rPr>
+              <a:t>https://support.google.com/youtube/answer/171780?hl=uk</a:t>
+            </a:r>
+            <a:endParaRPr lang="ru-RU" sz="2000" b="1" dirty="0"/>
           </a:p>
         </p:txBody>
       </p:sp>
     </p:spTree>
     <p:extLst>
       <p:ext uri="{BB962C8B-B14F-4D97-AF65-F5344CB8AC3E}">
-        <p14:creationId xmlns:p14="http://schemas.microsoft.com/office/powerpoint/2010/main" val="2134033093"/>
+        <p14:creationId xmlns:p14="http://schemas.microsoft.com/office/powerpoint/2010/main" val="3931189480"/>
       </p:ext>
     </p:extLst>
   </p:cSld>
@@ -12294,450 +12326,6 @@
             <a:pPr algn="ctr"/>
             <a:r>
               <a:rPr lang="ru-RU" sz="6600" b="1" dirty="0"/>
-              <a:t>Домашнее задание</a:t>
-            </a:r>
-            <a:endParaRPr lang="uk-UA" sz="6600" b="1" dirty="0"/>
-          </a:p>
-        </p:txBody>
-      </p:sp>
-    </p:spTree>
-    <p:extLst>
-      <p:ext uri="{BB962C8B-B14F-4D97-AF65-F5344CB8AC3E}">
-        <p14:creationId xmlns:p14="http://schemas.microsoft.com/office/powerpoint/2010/main" val="2457138395"/>
-      </p:ext>
-    </p:extLst>
-  </p:cSld>
-  <p:clrMapOvr>
-    <a:masterClrMapping/>
-  </p:clrMapOvr>
-</p:sld>
-</file>
-
-<file path=ppt/slides/slide31.xml><?xml version="1.0" encoding="utf-8"?>
-<p:sld xmlns:a="http://schemas.openxmlformats.org/drawingml/2006/main" xmlns:r="http://schemas.openxmlformats.org/officeDocument/2006/relationships" xmlns:p="http://schemas.openxmlformats.org/presentationml/2006/main">
-  <p:cSld>
-    <p:spTree>
-      <p:nvGrpSpPr>
-        <p:cNvPr id="1" name=""/>
-        <p:cNvGrpSpPr/>
-        <p:nvPr/>
-      </p:nvGrpSpPr>
-      <p:grpSpPr>
-        <a:xfrm>
-          <a:off x="0" y="0"/>
-          <a:ext cx="0" cy="0"/>
-          <a:chOff x="0" y="0"/>
-          <a:chExt cx="0" cy="0"/>
-        </a:xfrm>
-      </p:grpSpPr>
-      <p:sp>
-        <p:nvSpPr>
-          <p:cNvPr id="3" name="Прямоугольник 2"/>
-          <p:cNvSpPr/>
-          <p:nvPr/>
-        </p:nvSpPr>
-        <p:spPr>
-          <a:xfrm>
-            <a:off x="5328592" y="404664"/>
-            <a:ext cx="6863408" cy="769441"/>
-          </a:xfrm>
-          <a:prstGeom prst="rect">
-            <a:avLst/>
-          </a:prstGeom>
-        </p:spPr>
-        <p:txBody>
-          <a:bodyPr wrap="square">
-            <a:spAutoFit/>
-          </a:bodyPr>
-          <a:lstStyle/>
-          <a:p>
-            <a:pPr algn="ctr"/>
-            <a:r>
-              <a:rPr lang="ru-RU" sz="4400" b="1" dirty="0"/>
-              <a:t>Домашнее задание</a:t>
-            </a:r>
-            <a:endParaRPr lang="ru-RU" sz="4400" i="1" dirty="0"/>
-          </a:p>
-        </p:txBody>
-      </p:sp>
-      <p:sp>
-        <p:nvSpPr>
-          <p:cNvPr id="2" name="TextBox 1"/>
-          <p:cNvSpPr txBox="1"/>
-          <p:nvPr/>
-        </p:nvSpPr>
-        <p:spPr>
-          <a:xfrm>
-            <a:off x="6240016" y="3380799"/>
-            <a:ext cx="5400600" cy="1200329"/>
-          </a:xfrm>
-          <a:prstGeom prst="rect">
-            <a:avLst/>
-          </a:prstGeom>
-          <a:solidFill>
-            <a:schemeClr val="accent6">
-              <a:lumMod val="20000"/>
-              <a:lumOff val="80000"/>
-            </a:schemeClr>
-          </a:solidFill>
-          <a:ln w="19050">
-            <a:solidFill>
-              <a:schemeClr val="accent6">
-                <a:lumMod val="75000"/>
-              </a:schemeClr>
-            </a:solidFill>
-          </a:ln>
-        </p:spPr>
-        <p:txBody>
-          <a:bodyPr wrap="square" rtlCol="0">
-            <a:spAutoFit/>
-          </a:bodyPr>
-          <a:lstStyle/>
-          <a:p>
-            <a:r>
-              <a:rPr lang="en-US" sz="2400" b="1" dirty="0"/>
-              <a:t>Lorem ipsum </a:t>
-            </a:r>
-            <a:r>
-              <a:rPr lang="en-US" sz="2400" dirty="0"/>
-              <a:t>–</a:t>
-            </a:r>
-            <a:r>
-              <a:rPr lang="uk-UA" sz="2400" dirty="0"/>
-              <a:t> генератор </a:t>
-            </a:r>
-            <a:r>
-              <a:rPr lang="ru-RU" sz="2400" dirty="0"/>
-              <a:t>текста</a:t>
-            </a:r>
-            <a:r>
-              <a:rPr lang="uk-UA" sz="2400" dirty="0"/>
-              <a:t> вам </a:t>
-            </a:r>
-            <a:r>
-              <a:rPr lang="ru-RU" sz="2400" dirty="0"/>
-              <a:t>поможет</a:t>
-            </a:r>
-            <a:r>
-              <a:rPr lang="uk-UA" sz="2400" dirty="0"/>
-              <a:t>. </a:t>
-            </a:r>
-            <a:r>
-              <a:rPr lang="en-US" sz="2400" dirty="0"/>
-              <a:t> </a:t>
-            </a:r>
-            <a:r>
-              <a:rPr lang="uk-UA" sz="2400" dirty="0"/>
-              <a:t>Команда </a:t>
-            </a:r>
-            <a:r>
-              <a:rPr lang="en-US" sz="2400" b="1" dirty="0">
-                <a:solidFill>
-                  <a:srgbClr val="00B050"/>
-                </a:solidFill>
-                <a:latin typeface="Courier New" panose="02070309020205020404" pitchFamily="49" charset="0"/>
-                <a:cs typeface="Courier New" panose="02070309020205020404" pitchFamily="49" charset="0"/>
-              </a:rPr>
-              <a:t>lorem100</a:t>
-            </a:r>
-            <a:r>
-              <a:rPr lang="en-US" sz="2400" dirty="0"/>
-              <a:t> </a:t>
-            </a:r>
-            <a:r>
-              <a:rPr lang="uk-UA" sz="2400" dirty="0"/>
-              <a:t>в </a:t>
-            </a:r>
-            <a:r>
-              <a:rPr lang="en-US" sz="2400" b="1" dirty="0"/>
-              <a:t>Visual Studio Code</a:t>
-            </a:r>
-            <a:endParaRPr lang="ru-RU" sz="2400" b="1" dirty="0"/>
-          </a:p>
-        </p:txBody>
-      </p:sp>
-      <p:pic>
-        <p:nvPicPr>
-          <p:cNvPr id="9" name="Рисунок 8"/>
-          <p:cNvPicPr>
-            <a:picLocks noChangeAspect="1"/>
-          </p:cNvPicPr>
-          <p:nvPr/>
-        </p:nvPicPr>
-        <p:blipFill rotWithShape="1">
-          <a:blip r:embed="rId2"/>
-          <a:srcRect l="8575" r="8544"/>
-          <a:stretch/>
-        </p:blipFill>
-        <p:spPr>
-          <a:xfrm>
-            <a:off x="0" y="0"/>
-            <a:ext cx="5328592" cy="6875007"/>
-          </a:xfrm>
-          <a:prstGeom prst="rect">
-            <a:avLst/>
-          </a:prstGeom>
-          <a:ln>
-            <a:noFill/>
-          </a:ln>
-          <a:effectLst>
-            <a:outerShdw blurRad="292100" dist="139700" dir="2700000" algn="tl" rotWithShape="0">
-              <a:srgbClr val="333333">
-                <a:alpha val="65000"/>
-              </a:srgbClr>
-            </a:outerShdw>
-          </a:effectLst>
-        </p:spPr>
-      </p:pic>
-      <p:sp>
-        <p:nvSpPr>
-          <p:cNvPr id="10" name="TextBox 9"/>
-          <p:cNvSpPr txBox="1"/>
-          <p:nvPr/>
-        </p:nvSpPr>
-        <p:spPr>
-          <a:xfrm>
-            <a:off x="6273924" y="1412776"/>
-            <a:ext cx="5150668" cy="1569660"/>
-          </a:xfrm>
-          <a:prstGeom prst="rect">
-            <a:avLst/>
-          </a:prstGeom>
-          <a:noFill/>
-        </p:spPr>
-        <p:txBody>
-          <a:bodyPr wrap="square" rtlCol="0">
-            <a:spAutoFit/>
-          </a:bodyPr>
-          <a:lstStyle/>
-          <a:p>
-            <a:r>
-              <a:rPr lang="ru-RU" sz="2400" dirty="0"/>
-              <a:t>Создайте</a:t>
-            </a:r>
-            <a:r>
-              <a:rPr lang="uk-UA" sz="2400" dirty="0"/>
-              <a:t> </a:t>
-            </a:r>
-            <a:r>
-              <a:rPr lang="en-US" sz="2400" b="1" dirty="0"/>
-              <a:t>HTML</a:t>
-            </a:r>
-            <a:r>
-              <a:rPr lang="uk-UA" sz="2400" b="1" dirty="0"/>
-              <a:t>-документ</a:t>
-            </a:r>
-            <a:r>
-              <a:rPr lang="uk-UA" sz="2400" dirty="0"/>
-              <a:t>, и </a:t>
-            </a:r>
-            <a:r>
-              <a:rPr lang="ru-RU" sz="2400" dirty="0"/>
-              <a:t>под</a:t>
-            </a:r>
-            <a:r>
-              <a:rPr lang="uk-UA" sz="2400" dirty="0"/>
-              <a:t> </a:t>
-            </a:r>
-            <a:r>
-              <a:rPr lang="ru-RU" sz="2400" dirty="0"/>
-              <a:t>именем</a:t>
-            </a:r>
-            <a:r>
-              <a:rPr lang="uk-UA" sz="2400" dirty="0"/>
-              <a:t> </a:t>
-            </a:r>
-            <a:r>
-              <a:rPr lang="en-US" sz="2400" b="1" dirty="0">
-                <a:solidFill>
-                  <a:srgbClr val="0070C0"/>
-                </a:solidFill>
-                <a:latin typeface="Courier New" panose="02070309020205020404" pitchFamily="49" charset="0"/>
-                <a:cs typeface="Courier New" panose="02070309020205020404" pitchFamily="49" charset="0"/>
-              </a:rPr>
-              <a:t>index.html</a:t>
-            </a:r>
-            <a:r>
-              <a:rPr lang="uk-UA" sz="2400" b="1" dirty="0">
-                <a:solidFill>
-                  <a:srgbClr val="0070C0"/>
-                </a:solidFill>
-                <a:latin typeface="Courier New" panose="02070309020205020404" pitchFamily="49" charset="0"/>
-                <a:cs typeface="Courier New" panose="02070309020205020404" pitchFamily="49" charset="0"/>
-              </a:rPr>
-              <a:t> </a:t>
-            </a:r>
-            <a:r>
-              <a:rPr lang="ru-RU" sz="2400" dirty="0">
-                <a:latin typeface="+mj-lt"/>
-                <a:cs typeface="Courier New" panose="02070309020205020404" pitchFamily="49" charset="0"/>
-              </a:rPr>
-              <a:t>выгрузите его на хостинг. Ссылку на </a:t>
-            </a:r>
-            <a:r>
-              <a:rPr lang="ru-RU" sz="2400" b="1" dirty="0">
-                <a:latin typeface="+mj-lt"/>
-                <a:cs typeface="Courier New" panose="02070309020205020404" pitchFamily="49" charset="0"/>
-              </a:rPr>
-              <a:t>ваш хостинг </a:t>
-            </a:r>
-            <a:r>
-              <a:rPr lang="ru-RU" sz="2400" dirty="0">
-                <a:latin typeface="+mj-lt"/>
-                <a:cs typeface="Courier New" panose="02070309020205020404" pitchFamily="49" charset="0"/>
-              </a:rPr>
-              <a:t>сбрасывайте в группу в телеграмме.</a:t>
-            </a:r>
-            <a:endParaRPr lang="ru-RU" sz="2400" dirty="0">
-              <a:latin typeface="Courier New" panose="02070309020205020404" pitchFamily="49" charset="0"/>
-              <a:cs typeface="Courier New" panose="02070309020205020404" pitchFamily="49" charset="0"/>
-            </a:endParaRPr>
-          </a:p>
-        </p:txBody>
-      </p:sp>
-      <p:sp>
-        <p:nvSpPr>
-          <p:cNvPr id="11" name="TextBox 10"/>
-          <p:cNvSpPr txBox="1"/>
-          <p:nvPr/>
-        </p:nvSpPr>
-        <p:spPr>
-          <a:xfrm>
-            <a:off x="6240016" y="4892967"/>
-            <a:ext cx="5400600" cy="1446550"/>
-          </a:xfrm>
-          <a:prstGeom prst="rect">
-            <a:avLst/>
-          </a:prstGeom>
-          <a:solidFill>
-            <a:schemeClr val="accent3">
-              <a:lumMod val="20000"/>
-              <a:lumOff val="80000"/>
-            </a:schemeClr>
-          </a:solidFill>
-          <a:ln w="19050">
-            <a:solidFill>
-              <a:srgbClr val="00B050"/>
-            </a:solidFill>
-          </a:ln>
-        </p:spPr>
-        <p:txBody>
-          <a:bodyPr wrap="square" rtlCol="0">
-            <a:spAutoFit/>
-          </a:bodyPr>
-          <a:lstStyle/>
-          <a:p>
-            <a:r>
-              <a:rPr lang="ru-RU" sz="2400" dirty="0"/>
-              <a:t>Как встроить </a:t>
-            </a:r>
-            <a:r>
-              <a:rPr lang="en-US" sz="2400" b="1" dirty="0" err="1"/>
-              <a:t>youtube</a:t>
-            </a:r>
-            <a:r>
-              <a:rPr lang="uk-UA" sz="2400" dirty="0"/>
-              <a:t>-</a:t>
-            </a:r>
-            <a:r>
-              <a:rPr lang="uk-UA" sz="2400" dirty="0" err="1"/>
-              <a:t>плеер</a:t>
-            </a:r>
-            <a:r>
-              <a:rPr lang="uk-UA" sz="2400" dirty="0"/>
-              <a:t> на свою </a:t>
-            </a:r>
-            <a:r>
-              <a:rPr lang="ru-RU" sz="2400" dirty="0"/>
-              <a:t>страницу</a:t>
-            </a:r>
-            <a:r>
-              <a:rPr lang="uk-UA" sz="2400" dirty="0"/>
-              <a:t>: </a:t>
-            </a:r>
-            <a:r>
-              <a:rPr lang="en-US" sz="2000" b="1" dirty="0">
-                <a:hlinkClick r:id="rId3"/>
-              </a:rPr>
-              <a:t>https://support.google.com/youtube/answer/171780?hl=uk</a:t>
-            </a:r>
-            <a:endParaRPr lang="ru-RU" sz="2000" b="1" dirty="0"/>
-          </a:p>
-        </p:txBody>
-      </p:sp>
-    </p:spTree>
-    <p:extLst>
-      <p:ext uri="{BB962C8B-B14F-4D97-AF65-F5344CB8AC3E}">
-        <p14:creationId xmlns:p14="http://schemas.microsoft.com/office/powerpoint/2010/main" val="3931189480"/>
-      </p:ext>
-    </p:extLst>
-  </p:cSld>
-  <p:clrMapOvr>
-    <a:masterClrMapping/>
-  </p:clrMapOvr>
-</p:sld>
-</file>
-
-<file path=ppt/slides/slide32.xml><?xml version="1.0" encoding="utf-8"?>
-<p:sld xmlns:a="http://schemas.openxmlformats.org/drawingml/2006/main" xmlns:r="http://schemas.openxmlformats.org/officeDocument/2006/relationships" xmlns:p="http://schemas.openxmlformats.org/presentationml/2006/main">
-  <p:cSld>
-    <p:spTree>
-      <p:nvGrpSpPr>
-        <p:cNvPr id="1" name=""/>
-        <p:cNvGrpSpPr/>
-        <p:nvPr/>
-      </p:nvGrpSpPr>
-      <p:grpSpPr>
-        <a:xfrm>
-          <a:off x="0" y="0"/>
-          <a:ext cx="0" cy="0"/>
-          <a:chOff x="0" y="0"/>
-          <a:chExt cx="0" cy="0"/>
-        </a:xfrm>
-      </p:grpSpPr>
-      <p:sp>
-        <p:nvSpPr>
-          <p:cNvPr id="5" name="Прямоугольник 4"/>
-          <p:cNvSpPr/>
-          <p:nvPr/>
-        </p:nvSpPr>
-        <p:spPr>
-          <a:xfrm>
-            <a:off x="0" y="0"/>
-            <a:ext cx="12192000" cy="6858000"/>
-          </a:xfrm>
-          <a:prstGeom prst="rect">
-            <a:avLst/>
-          </a:prstGeom>
-          <a:solidFill>
-            <a:schemeClr val="tx2">
-              <a:lumMod val="75000"/>
-            </a:schemeClr>
-          </a:solidFill>
-        </p:spPr>
-        <p:style>
-          <a:lnRef idx="2">
-            <a:schemeClr val="accent1">
-              <a:shade val="50000"/>
-            </a:schemeClr>
-          </a:lnRef>
-          <a:fillRef idx="1">
-            <a:schemeClr val="accent1"/>
-          </a:fillRef>
-          <a:effectRef idx="0">
-            <a:schemeClr val="accent1"/>
-          </a:effectRef>
-          <a:fontRef idx="minor">
-            <a:schemeClr val="lt1"/>
-          </a:fontRef>
-        </p:style>
-        <p:txBody>
-          <a:bodyPr rtlCol="0" anchor="ctr"/>
-          <a:lstStyle/>
-          <a:p>
-            <a:pPr algn="ctr"/>
-            <a:r>
-              <a:rPr lang="ru-RU" sz="6600" b="1" dirty="0"/>
               <a:t>На следующем занятии</a:t>
             </a:r>
             <a:endParaRPr lang="uk-UA" sz="6600" b="1" dirty="0"/>
@@ -12757,7 +12345,7 @@
 </p:sld>
 </file>
 
-<file path=ppt/slides/slide33.xml><?xml version="1.0" encoding="utf-8"?>
+<file path=ppt/slides/slide31.xml><?xml version="1.0" encoding="utf-8"?>
 <p:sld xmlns:a="http://schemas.openxmlformats.org/drawingml/2006/main" xmlns:r="http://schemas.openxmlformats.org/officeDocument/2006/relationships" xmlns:p="http://schemas.openxmlformats.org/presentationml/2006/main">
   <p:cSld>
     <p:spTree>
